--- a/Power BI Evolve Architecture/Evolving your Power BI Architecture using Dataflows and Shared Datasets.pptx
+++ b/Power BI Evolve Architecture/Evolving your Power BI Architecture using Dataflows and Shared Datasets.pptx
@@ -213,7 +213,7 @@
           <a:p>
             <a:fld id="{34B5C9CA-2D5F-447E-9B79-C98CB45DDD68}" type="datetimeFigureOut">
               <a:rPr lang="en-US" smtClean="0"/>
-              <a:t>10/17/2020</a:t>
+              <a:t>3/15/2021</a:t>
             </a:fld>
             <a:endParaRPr lang="en-US"/>
           </a:p>
@@ -378,7 +378,7 @@
           <a:p>
             <a:fld id="{9FBB69ED-36D7-4532-B7E1-AEDC9E37F886}" type="datetimeFigureOut">
               <a:rPr lang="en-US" smtClean="0"/>
-              <a:t>10/17/2020</a:t>
+              <a:t>3/15/2021</a:t>
             </a:fld>
             <a:endParaRPr lang="en-US"/>
           </a:p>
@@ -10267,7 +10267,7 @@
             </a:ln>
             <a:extLst>
               <a:ext uri="{91240B29-F687-4f45-9708-019B960494DF}">
-                <a14:hiddenLine xmlns="" xmlns:a14="http://schemas.microsoft.com/office/drawing/2010/main" w="9525">
+                <a14:hiddenLine xmlns:a14="http://schemas.microsoft.com/office/drawing/2010/main" xmlns="" w="9525">
                   <a:solidFill>
                     <a:srgbClr val="000000"/>
                   </a:solidFill>
@@ -12238,84 +12238,6 @@
           </a:prstGeom>
         </p:spPr>
       </p:pic>
-      <p:pic>
-        <p:nvPicPr>
-          <p:cNvPr id="15" name="Graphic 14" descr="Table">
-            <a:extLst>
-              <a:ext uri="{FF2B5EF4-FFF2-40B4-BE49-F238E27FC236}">
-                <a16:creationId xmlns:a16="http://schemas.microsoft.com/office/drawing/2014/main" id="{AEFC86AE-D93B-464F-A93C-5BA1D860D18E}"/>
-              </a:ext>
-            </a:extLst>
-          </p:cNvPr>
-          <p:cNvPicPr>
-            <a:picLocks noChangeAspect="1"/>
-          </p:cNvPicPr>
-          <p:nvPr/>
-        </p:nvPicPr>
-        <p:blipFill>
-          <a:blip r:embed="rId11">
-            <a:extLst>
-              <a:ext uri="{28A0092B-C50C-407E-A947-70E740481C1C}">
-                <a14:useLocalDpi xmlns:a14="http://schemas.microsoft.com/office/drawing/2010/main" val="0"/>
-              </a:ext>
-              <a:ext uri="{96DAC541-7B7A-43D3-8B79-37D633B846F1}">
-                <asvg:svgBlip xmlns:asvg="http://schemas.microsoft.com/office/drawing/2016/SVG/main" r:embed="rId12"/>
-              </a:ext>
-            </a:extLst>
-          </a:blip>
-          <a:stretch>
-            <a:fillRect/>
-          </a:stretch>
-        </p:blipFill>
-        <p:spPr>
-          <a:xfrm>
-            <a:off x="2728834" y="1057374"/>
-            <a:ext cx="668269" cy="668269"/>
-          </a:xfrm>
-          <a:prstGeom prst="rect">
-            <a:avLst/>
-          </a:prstGeom>
-        </p:spPr>
-      </p:pic>
-      <p:pic>
-        <p:nvPicPr>
-          <p:cNvPr id="16" name="Graphic 15" descr="Server">
-            <a:extLst>
-              <a:ext uri="{FF2B5EF4-FFF2-40B4-BE49-F238E27FC236}">
-                <a16:creationId xmlns:a16="http://schemas.microsoft.com/office/drawing/2014/main" id="{9D4267AF-B863-43A9-A36E-AC40C8403A44}"/>
-              </a:ext>
-            </a:extLst>
-          </p:cNvPr>
-          <p:cNvPicPr>
-            <a:picLocks noChangeAspect="1"/>
-          </p:cNvPicPr>
-          <p:nvPr/>
-        </p:nvPicPr>
-        <p:blipFill>
-          <a:blip r:embed="rId13">
-            <a:extLst>
-              <a:ext uri="{28A0092B-C50C-407E-A947-70E740481C1C}">
-                <a14:useLocalDpi xmlns:a14="http://schemas.microsoft.com/office/drawing/2010/main" val="0"/>
-              </a:ext>
-              <a:ext uri="{96DAC541-7B7A-43D3-8B79-37D633B846F1}">
-                <asvg:svgBlip xmlns:asvg="http://schemas.microsoft.com/office/drawing/2016/SVG/main" r:embed="rId14"/>
-              </a:ext>
-            </a:extLst>
-          </a:blip>
-          <a:stretch>
-            <a:fillRect/>
-          </a:stretch>
-        </p:blipFill>
-        <p:spPr>
-          <a:xfrm>
-            <a:off x="2986170" y="1601818"/>
-            <a:ext cx="668269" cy="668269"/>
-          </a:xfrm>
-          <a:prstGeom prst="rect">
-            <a:avLst/>
-          </a:prstGeom>
-        </p:spPr>
-      </p:pic>
       <p:sp>
         <p:nvSpPr>
           <p:cNvPr id="17" name="TextBox 16">
@@ -12846,15 +12768,13 @@
         </p:nvSpPr>
         <p:spPr>
           <a:xfrm>
-            <a:off x="4013870" y="831066"/>
+            <a:off x="4035728" y="878202"/>
             <a:ext cx="574768" cy="307777"/>
           </a:xfrm>
           <a:prstGeom prst="rect">
             <a:avLst/>
           </a:prstGeom>
-          <a:solidFill>
-            <a:srgbClr val="0271AF"/>
-          </a:solidFill>
+          <a:noFill/>
         </p:spPr>
         <p:txBody>
           <a:bodyPr wrap="square" rtlCol="0">
@@ -12864,9 +12784,9 @@
           <a:p>
             <a:pPr algn="ctr"/>
             <a:r>
-              <a:rPr lang="en-IE" sz="1400" dirty="0">
+              <a:rPr lang="en-IE" sz="1400" b="1" dirty="0">
                 <a:solidFill>
-                  <a:schemeClr val="bg1"/>
+                  <a:srgbClr val="0271AF"/>
                 </a:solidFill>
                 <a:latin typeface="Segoe UI" panose="020B0502040204020203" pitchFamily="34" charset="0"/>
                 <a:cs typeface="Segoe UI" panose="020B0502040204020203" pitchFamily="34" charset="0"/>
@@ -12890,8 +12810,269 @@
         </p:nvSpPr>
         <p:spPr>
           <a:xfrm>
-            <a:off x="5124354" y="831066"/>
+            <a:off x="5124353" y="878202"/>
             <a:ext cx="667764" cy="307777"/>
+          </a:xfrm>
+          <a:prstGeom prst="rect">
+            <a:avLst/>
+          </a:prstGeom>
+          <a:noFill/>
+        </p:spPr>
+        <p:txBody>
+          <a:bodyPr wrap="square" rtlCol="0">
+            <a:spAutoFit/>
+          </a:bodyPr>
+          <a:lstStyle>
+            <a:defPPr>
+              <a:defRPr lang="en-US"/>
+            </a:defPPr>
+            <a:lvl1pPr algn="ctr">
+              <a:defRPr sz="1400" b="1">
+                <a:solidFill>
+                  <a:srgbClr val="0271AF"/>
+                </a:solidFill>
+                <a:latin typeface="Segoe UI" panose="020B0502040204020203" pitchFamily="34" charset="0"/>
+                <a:cs typeface="Segoe UI" panose="020B0502040204020203" pitchFamily="34" charset="0"/>
+              </a:defRPr>
+            </a:lvl1pPr>
+          </a:lstStyle>
+          <a:p>
+            <a:r>
+              <a:rPr lang="en-IE" dirty="0"/>
+              <a:t>Store</a:t>
+            </a:r>
+          </a:p>
+        </p:txBody>
+      </p:sp>
+      <p:sp>
+        <p:nvSpPr>
+          <p:cNvPr id="30" name="TextBox 29">
+            <a:extLst>
+              <a:ext uri="{FF2B5EF4-FFF2-40B4-BE49-F238E27FC236}">
+                <a16:creationId xmlns:a16="http://schemas.microsoft.com/office/drawing/2014/main" id="{9653A7A2-3C30-4845-B400-B649F8F701DC}"/>
+              </a:ext>
+            </a:extLst>
+          </p:cNvPr>
+          <p:cNvSpPr txBox="1"/>
+          <p:nvPr/>
+        </p:nvSpPr>
+        <p:spPr>
+          <a:xfrm>
+            <a:off x="6514052" y="878202"/>
+            <a:ext cx="1139611" cy="307777"/>
+          </a:xfrm>
+          <a:prstGeom prst="rect">
+            <a:avLst/>
+          </a:prstGeom>
+          <a:noFill/>
+        </p:spPr>
+        <p:txBody>
+          <a:bodyPr wrap="square" rtlCol="0">
+            <a:spAutoFit/>
+          </a:bodyPr>
+          <a:lstStyle>
+            <a:defPPr>
+              <a:defRPr lang="en-US"/>
+            </a:defPPr>
+            <a:lvl1pPr algn="ctr">
+              <a:defRPr sz="1400">
+                <a:solidFill>
+                  <a:srgbClr val="0271AF"/>
+                </a:solidFill>
+                <a:latin typeface="Segoe UI" panose="020B0502040204020203" pitchFamily="34" charset="0"/>
+                <a:cs typeface="Segoe UI" panose="020B0502040204020203" pitchFamily="34" charset="0"/>
+              </a:defRPr>
+            </a:lvl1pPr>
+          </a:lstStyle>
+          <a:p>
+            <a:r>
+              <a:rPr lang="en-IE" b="1" dirty="0"/>
+              <a:t>Model</a:t>
+            </a:r>
+          </a:p>
+        </p:txBody>
+      </p:sp>
+      <p:sp>
+        <p:nvSpPr>
+          <p:cNvPr id="31" name="TextBox 30">
+            <a:extLst>
+              <a:ext uri="{FF2B5EF4-FFF2-40B4-BE49-F238E27FC236}">
+                <a16:creationId xmlns:a16="http://schemas.microsoft.com/office/drawing/2014/main" id="{C57B75C6-6E22-49DD-9F6A-17B61D4C39A5}"/>
+              </a:ext>
+            </a:extLst>
+          </p:cNvPr>
+          <p:cNvSpPr txBox="1"/>
+          <p:nvPr/>
+        </p:nvSpPr>
+        <p:spPr>
+          <a:xfrm>
+            <a:off x="8007558" y="878202"/>
+            <a:ext cx="1061766" cy="307777"/>
+          </a:xfrm>
+          <a:prstGeom prst="rect">
+            <a:avLst/>
+          </a:prstGeom>
+          <a:noFill/>
+        </p:spPr>
+        <p:txBody>
+          <a:bodyPr wrap="square" rtlCol="0">
+            <a:spAutoFit/>
+          </a:bodyPr>
+          <a:lstStyle>
+            <a:defPPr>
+              <a:defRPr lang="en-US"/>
+            </a:defPPr>
+            <a:lvl1pPr algn="ctr">
+              <a:defRPr sz="1400">
+                <a:solidFill>
+                  <a:srgbClr val="0271AF"/>
+                </a:solidFill>
+                <a:latin typeface="Segoe UI" panose="020B0502040204020203" pitchFamily="34" charset="0"/>
+                <a:cs typeface="Segoe UI" panose="020B0502040204020203" pitchFamily="34" charset="0"/>
+              </a:defRPr>
+            </a:lvl1pPr>
+          </a:lstStyle>
+          <a:p>
+            <a:r>
+              <a:rPr lang="en-IE" b="1" dirty="0"/>
+              <a:t>Data Viz</a:t>
+            </a:r>
+          </a:p>
+        </p:txBody>
+      </p:sp>
+      <p:pic>
+        <p:nvPicPr>
+          <p:cNvPr id="32" name="Graphic 31" descr="Line arrow: Slight curve">
+            <a:extLst>
+              <a:ext uri="{FF2B5EF4-FFF2-40B4-BE49-F238E27FC236}">
+                <a16:creationId xmlns:a16="http://schemas.microsoft.com/office/drawing/2014/main" id="{A04CEFC8-4516-4395-8384-D7D50406F82C}"/>
+              </a:ext>
+            </a:extLst>
+          </p:cNvPr>
+          <p:cNvPicPr>
+            <a:picLocks noChangeAspect="1"/>
+          </p:cNvPicPr>
+          <p:nvPr/>
+        </p:nvPicPr>
+        <p:blipFill>
+          <a:blip r:embed="rId11">
+            <a:extLst>
+              <a:ext uri="{28A0092B-C50C-407E-A947-70E740481C1C}">
+                <a14:useLocalDpi xmlns:a14="http://schemas.microsoft.com/office/drawing/2010/main" val="0"/>
+              </a:ext>
+              <a:ext uri="{96DAC541-7B7A-43D3-8B79-37D633B846F1}">
+                <asvg:svgBlip xmlns:asvg="http://schemas.microsoft.com/office/drawing/2016/SVG/main" r:embed="rId12"/>
+              </a:ext>
+            </a:extLst>
+          </a:blip>
+          <a:stretch>
+            <a:fillRect/>
+          </a:stretch>
+        </p:blipFill>
+        <p:spPr>
+          <a:xfrm>
+            <a:off x="3987158" y="1676040"/>
+            <a:ext cx="668269" cy="573457"/>
+          </a:xfrm>
+          <a:prstGeom prst="rect">
+            <a:avLst/>
+          </a:prstGeom>
+        </p:spPr>
+      </p:pic>
+      <p:pic>
+        <p:nvPicPr>
+          <p:cNvPr id="33" name="Graphic 32" descr="Line arrow: Slight curve">
+            <a:extLst>
+              <a:ext uri="{FF2B5EF4-FFF2-40B4-BE49-F238E27FC236}">
+                <a16:creationId xmlns:a16="http://schemas.microsoft.com/office/drawing/2014/main" id="{DA503385-7A93-47B0-9D63-7852124CA835}"/>
+              </a:ext>
+            </a:extLst>
+          </p:cNvPr>
+          <p:cNvPicPr>
+            <a:picLocks noChangeAspect="1"/>
+          </p:cNvPicPr>
+          <p:nvPr/>
+        </p:nvPicPr>
+        <p:blipFill>
+          <a:blip r:embed="rId11">
+            <a:extLst>
+              <a:ext uri="{28A0092B-C50C-407E-A947-70E740481C1C}">
+                <a14:useLocalDpi xmlns:a14="http://schemas.microsoft.com/office/drawing/2010/main" val="0"/>
+              </a:ext>
+              <a:ext uri="{96DAC541-7B7A-43D3-8B79-37D633B846F1}">
+                <asvg:svgBlip xmlns:asvg="http://schemas.microsoft.com/office/drawing/2016/SVG/main" r:embed="rId12"/>
+              </a:ext>
+            </a:extLst>
+          </a:blip>
+          <a:stretch>
+            <a:fillRect/>
+          </a:stretch>
+        </p:blipFill>
+        <p:spPr>
+          <a:xfrm flipV="1">
+            <a:off x="5940595" y="1414641"/>
+            <a:ext cx="573457" cy="573457"/>
+          </a:xfrm>
+          <a:prstGeom prst="rect">
+            <a:avLst/>
+          </a:prstGeom>
+        </p:spPr>
+      </p:pic>
+      <p:pic>
+        <p:nvPicPr>
+          <p:cNvPr id="34" name="Graphic 33" descr="Line arrow: Counter-clockwise curve">
+            <a:extLst>
+              <a:ext uri="{FF2B5EF4-FFF2-40B4-BE49-F238E27FC236}">
+                <a16:creationId xmlns:a16="http://schemas.microsoft.com/office/drawing/2014/main" id="{AE1CF4E2-E2F8-4DDE-8629-265A037C669E}"/>
+              </a:ext>
+            </a:extLst>
+          </p:cNvPr>
+          <p:cNvPicPr>
+            <a:picLocks noChangeAspect="1"/>
+          </p:cNvPicPr>
+          <p:nvPr/>
+        </p:nvPicPr>
+        <p:blipFill>
+          <a:blip r:embed="rId13">
+            <a:extLst>
+              <a:ext uri="{28A0092B-C50C-407E-A947-70E740481C1C}">
+                <a14:useLocalDpi xmlns:a14="http://schemas.microsoft.com/office/drawing/2010/main" val="0"/>
+              </a:ext>
+              <a:ext uri="{96DAC541-7B7A-43D3-8B79-37D633B846F1}">
+                <asvg:svgBlip xmlns:asvg="http://schemas.microsoft.com/office/drawing/2016/SVG/main" r:embed="rId14"/>
+              </a:ext>
+            </a:extLst>
+          </a:blip>
+          <a:stretch>
+            <a:fillRect/>
+          </a:stretch>
+        </p:blipFill>
+        <p:spPr>
+          <a:xfrm rot="5400000">
+            <a:off x="7594120" y="1819013"/>
+            <a:ext cx="567035" cy="567035"/>
+          </a:xfrm>
+          <a:prstGeom prst="rect">
+            <a:avLst/>
+          </a:prstGeom>
+        </p:spPr>
+      </p:pic>
+      <p:sp>
+        <p:nvSpPr>
+          <p:cNvPr id="35" name="TextBox 34">
+            <a:extLst>
+              <a:ext uri="{FF2B5EF4-FFF2-40B4-BE49-F238E27FC236}">
+                <a16:creationId xmlns:a16="http://schemas.microsoft.com/office/drawing/2014/main" id="{E12112BC-E72C-4F64-B57C-E107133B3EE2}"/>
+              </a:ext>
+            </a:extLst>
+          </p:cNvPr>
+          <p:cNvSpPr txBox="1"/>
+          <p:nvPr/>
+        </p:nvSpPr>
+        <p:spPr>
+          <a:xfrm rot="20970401">
+            <a:off x="1079421" y="1239410"/>
+            <a:ext cx="1049471" cy="523220"/>
           </a:xfrm>
           <a:prstGeom prst="rect">
             <a:avLst/>
@@ -12921,17 +13102,17 @@
           <a:p>
             <a:r>
               <a:rPr lang="en-IE" dirty="0"/>
-              <a:t>Store</a:t>
-            </a:r>
-          </a:p>
-        </p:txBody>
-      </p:sp>
-      <p:sp>
-        <p:nvSpPr>
-          <p:cNvPr id="30" name="TextBox 29">
-            <a:extLst>
-              <a:ext uri="{FF2B5EF4-FFF2-40B4-BE49-F238E27FC236}">
-                <a16:creationId xmlns:a16="http://schemas.microsoft.com/office/drawing/2014/main" id="{9653A7A2-3C30-4845-B400-B649F8F701DC}"/>
+              <a:t>Typical BI Solution</a:t>
+            </a:r>
+          </a:p>
+        </p:txBody>
+      </p:sp>
+      <p:sp>
+        <p:nvSpPr>
+          <p:cNvPr id="36" name="TextBox 35">
+            <a:extLst>
+              <a:ext uri="{FF2B5EF4-FFF2-40B4-BE49-F238E27FC236}">
+                <a16:creationId xmlns:a16="http://schemas.microsoft.com/office/drawing/2014/main" id="{096BE8D1-5DB6-409D-A581-3A8EB1E68EF4}"/>
               </a:ext>
             </a:extLst>
           </p:cNvPr>
@@ -12939,9 +13120,9 @@
           <p:nvPr/>
         </p:nvSpPr>
         <p:spPr>
-          <a:xfrm>
-            <a:off x="6649118" y="831066"/>
-            <a:ext cx="945002" cy="523220"/>
+          <a:xfrm rot="371777">
+            <a:off x="9746962" y="2589378"/>
+            <a:ext cx="1217995" cy="523220"/>
           </a:xfrm>
           <a:prstGeom prst="rect">
             <a:avLst/>
@@ -12971,23 +13152,17 @@
           <a:p>
             <a:r>
               <a:rPr lang="en-IE" dirty="0"/>
-              <a:t>Semantic</a:t>
-            </a:r>
-          </a:p>
-          <a:p>
-            <a:r>
-              <a:rPr lang="en-IE" dirty="0"/>
-              <a:t>Model</a:t>
-            </a:r>
-          </a:p>
-        </p:txBody>
-      </p:sp>
-      <p:sp>
-        <p:nvSpPr>
-          <p:cNvPr id="31" name="TextBox 30">
-            <a:extLst>
-              <a:ext uri="{FF2B5EF4-FFF2-40B4-BE49-F238E27FC236}">
-                <a16:creationId xmlns:a16="http://schemas.microsoft.com/office/drawing/2014/main" id="{C57B75C6-6E22-49DD-9F6A-17B61D4C39A5}"/>
+              <a:t>Tools &amp; Technology</a:t>
+            </a:r>
+          </a:p>
+        </p:txBody>
+      </p:sp>
+      <p:sp>
+        <p:nvSpPr>
+          <p:cNvPr id="37" name="TextBox 36">
+            <a:extLst>
+              <a:ext uri="{FF2B5EF4-FFF2-40B4-BE49-F238E27FC236}">
+                <a16:creationId xmlns:a16="http://schemas.microsoft.com/office/drawing/2014/main" id="{ACE9170A-E45A-4987-97FF-8A413B07545A}"/>
               </a:ext>
             </a:extLst>
           </p:cNvPr>
@@ -12996,10 +13171,10 @@
         </p:nvSpPr>
         <p:spPr>
           <a:xfrm>
-            <a:off x="8554652" y="831066"/>
-            <a:ext cx="668269" cy="523220"/>
-          </a:xfrm>
-          <a:prstGeom prst="rect">
+            <a:off x="3605048" y="3849238"/>
+            <a:ext cx="5130142" cy="307777"/>
+          </a:xfrm>
+          <a:prstGeom prst="homePlate">
             <a:avLst/>
           </a:prstGeom>
           <a:solidFill>
@@ -13027,17 +13202,17 @@
           <a:p>
             <a:r>
               <a:rPr lang="en-IE" dirty="0"/>
-              <a:t>Data Viz</a:t>
+              <a:t>Solution Architecture through the ages</a:t>
             </a:r>
           </a:p>
         </p:txBody>
       </p:sp>
       <p:pic>
         <p:nvPicPr>
-          <p:cNvPr id="32" name="Graphic 31" descr="Line arrow: Slight curve">
-            <a:extLst>
-              <a:ext uri="{FF2B5EF4-FFF2-40B4-BE49-F238E27FC236}">
-                <a16:creationId xmlns:a16="http://schemas.microsoft.com/office/drawing/2014/main" id="{A04CEFC8-4516-4395-8384-D7D50406F82C}"/>
+          <p:cNvPr id="5" name="Graphic 4">
+            <a:extLst>
+              <a:ext uri="{FF2B5EF4-FFF2-40B4-BE49-F238E27FC236}">
+                <a16:creationId xmlns:a16="http://schemas.microsoft.com/office/drawing/2014/main" id="{82D64BD3-2FBD-4B9C-B784-5DE7CE665F63}"/>
               </a:ext>
             </a:extLst>
           </p:cNvPr>
@@ -13063,242 +13238,14 @@
         </p:blipFill>
         <p:spPr>
           <a:xfrm>
-            <a:off x="3987158" y="1676040"/>
-            <a:ext cx="668269" cy="573457"/>
+            <a:off x="2369812" y="1026107"/>
+            <a:ext cx="1188845" cy="1188845"/>
           </a:xfrm>
           <a:prstGeom prst="rect">
             <a:avLst/>
           </a:prstGeom>
         </p:spPr>
       </p:pic>
-      <p:pic>
-        <p:nvPicPr>
-          <p:cNvPr id="33" name="Graphic 32" descr="Line arrow: Slight curve">
-            <a:extLst>
-              <a:ext uri="{FF2B5EF4-FFF2-40B4-BE49-F238E27FC236}">
-                <a16:creationId xmlns:a16="http://schemas.microsoft.com/office/drawing/2014/main" id="{DA503385-7A93-47B0-9D63-7852124CA835}"/>
-              </a:ext>
-            </a:extLst>
-          </p:cNvPr>
-          <p:cNvPicPr>
-            <a:picLocks noChangeAspect="1"/>
-          </p:cNvPicPr>
-          <p:nvPr/>
-        </p:nvPicPr>
-        <p:blipFill>
-          <a:blip r:embed="rId15">
-            <a:extLst>
-              <a:ext uri="{28A0092B-C50C-407E-A947-70E740481C1C}">
-                <a14:useLocalDpi xmlns:a14="http://schemas.microsoft.com/office/drawing/2010/main" val="0"/>
-              </a:ext>
-              <a:ext uri="{96DAC541-7B7A-43D3-8B79-37D633B846F1}">
-                <asvg:svgBlip xmlns:asvg="http://schemas.microsoft.com/office/drawing/2016/SVG/main" r:embed="rId16"/>
-              </a:ext>
-            </a:extLst>
-          </a:blip>
-          <a:stretch>
-            <a:fillRect/>
-          </a:stretch>
-        </p:blipFill>
-        <p:spPr>
-          <a:xfrm flipV="1">
-            <a:off x="5940595" y="1414641"/>
-            <a:ext cx="573457" cy="573457"/>
-          </a:xfrm>
-          <a:prstGeom prst="rect">
-            <a:avLst/>
-          </a:prstGeom>
-        </p:spPr>
-      </p:pic>
-      <p:pic>
-        <p:nvPicPr>
-          <p:cNvPr id="34" name="Graphic 33" descr="Line arrow: Counter-clockwise curve">
-            <a:extLst>
-              <a:ext uri="{FF2B5EF4-FFF2-40B4-BE49-F238E27FC236}">
-                <a16:creationId xmlns:a16="http://schemas.microsoft.com/office/drawing/2014/main" id="{AE1CF4E2-E2F8-4DDE-8629-265A037C669E}"/>
-              </a:ext>
-            </a:extLst>
-          </p:cNvPr>
-          <p:cNvPicPr>
-            <a:picLocks noChangeAspect="1"/>
-          </p:cNvPicPr>
-          <p:nvPr/>
-        </p:nvPicPr>
-        <p:blipFill>
-          <a:blip r:embed="rId17">
-            <a:extLst>
-              <a:ext uri="{28A0092B-C50C-407E-A947-70E740481C1C}">
-                <a14:useLocalDpi xmlns:a14="http://schemas.microsoft.com/office/drawing/2010/main" val="0"/>
-              </a:ext>
-              <a:ext uri="{96DAC541-7B7A-43D3-8B79-37D633B846F1}">
-                <asvg:svgBlip xmlns:asvg="http://schemas.microsoft.com/office/drawing/2016/SVG/main" r:embed="rId18"/>
-              </a:ext>
-            </a:extLst>
-          </a:blip>
-          <a:stretch>
-            <a:fillRect/>
-          </a:stretch>
-        </p:blipFill>
-        <p:spPr>
-          <a:xfrm rot="5400000">
-            <a:off x="7594120" y="1819013"/>
-            <a:ext cx="567035" cy="567035"/>
-          </a:xfrm>
-          <a:prstGeom prst="rect">
-            <a:avLst/>
-          </a:prstGeom>
-        </p:spPr>
-      </p:pic>
-      <p:sp>
-        <p:nvSpPr>
-          <p:cNvPr id="35" name="TextBox 34">
-            <a:extLst>
-              <a:ext uri="{FF2B5EF4-FFF2-40B4-BE49-F238E27FC236}">
-                <a16:creationId xmlns:a16="http://schemas.microsoft.com/office/drawing/2014/main" id="{E12112BC-E72C-4F64-B57C-E107133B3EE2}"/>
-              </a:ext>
-            </a:extLst>
-          </p:cNvPr>
-          <p:cNvSpPr txBox="1"/>
-          <p:nvPr/>
-        </p:nvSpPr>
-        <p:spPr>
-          <a:xfrm rot="20970401">
-            <a:off x="1431195" y="1210902"/>
-            <a:ext cx="1049471" cy="523220"/>
-          </a:xfrm>
-          <a:prstGeom prst="rect">
-            <a:avLst/>
-          </a:prstGeom>
-          <a:solidFill>
-            <a:srgbClr val="0271AF"/>
-          </a:solidFill>
-        </p:spPr>
-        <p:txBody>
-          <a:bodyPr wrap="square" rtlCol="0">
-            <a:spAutoFit/>
-          </a:bodyPr>
-          <a:lstStyle>
-            <a:defPPr>
-              <a:defRPr lang="en-US"/>
-            </a:defPPr>
-            <a:lvl1pPr algn="ctr">
-              <a:defRPr sz="1400">
-                <a:solidFill>
-                  <a:schemeClr val="bg1"/>
-                </a:solidFill>
-                <a:latin typeface="Segoe UI" panose="020B0502040204020203" pitchFamily="34" charset="0"/>
-                <a:cs typeface="Segoe UI" panose="020B0502040204020203" pitchFamily="34" charset="0"/>
-              </a:defRPr>
-            </a:lvl1pPr>
-          </a:lstStyle>
-          <a:p>
-            <a:r>
-              <a:rPr lang="en-IE" dirty="0"/>
-              <a:t>Typical BI Solution</a:t>
-            </a:r>
-          </a:p>
-        </p:txBody>
-      </p:sp>
-      <p:sp>
-        <p:nvSpPr>
-          <p:cNvPr id="36" name="TextBox 35">
-            <a:extLst>
-              <a:ext uri="{FF2B5EF4-FFF2-40B4-BE49-F238E27FC236}">
-                <a16:creationId xmlns:a16="http://schemas.microsoft.com/office/drawing/2014/main" id="{096BE8D1-5DB6-409D-A581-3A8EB1E68EF4}"/>
-              </a:ext>
-            </a:extLst>
-          </p:cNvPr>
-          <p:cNvSpPr txBox="1"/>
-          <p:nvPr/>
-        </p:nvSpPr>
-        <p:spPr>
-          <a:xfrm rot="371777">
-            <a:off x="9746962" y="2589378"/>
-            <a:ext cx="1217995" cy="523220"/>
-          </a:xfrm>
-          <a:prstGeom prst="rect">
-            <a:avLst/>
-          </a:prstGeom>
-          <a:solidFill>
-            <a:srgbClr val="0271AF"/>
-          </a:solidFill>
-        </p:spPr>
-        <p:txBody>
-          <a:bodyPr wrap="square" rtlCol="0">
-            <a:spAutoFit/>
-          </a:bodyPr>
-          <a:lstStyle>
-            <a:defPPr>
-              <a:defRPr lang="en-US"/>
-            </a:defPPr>
-            <a:lvl1pPr algn="ctr">
-              <a:defRPr sz="1400">
-                <a:solidFill>
-                  <a:schemeClr val="bg1"/>
-                </a:solidFill>
-                <a:latin typeface="Segoe UI" panose="020B0502040204020203" pitchFamily="34" charset="0"/>
-                <a:cs typeface="Segoe UI" panose="020B0502040204020203" pitchFamily="34" charset="0"/>
-              </a:defRPr>
-            </a:lvl1pPr>
-          </a:lstStyle>
-          <a:p>
-            <a:r>
-              <a:rPr lang="en-IE" dirty="0"/>
-              <a:t>Tools &amp; Technology</a:t>
-            </a:r>
-          </a:p>
-        </p:txBody>
-      </p:sp>
-      <p:sp>
-        <p:nvSpPr>
-          <p:cNvPr id="37" name="TextBox 36">
-            <a:extLst>
-              <a:ext uri="{FF2B5EF4-FFF2-40B4-BE49-F238E27FC236}">
-                <a16:creationId xmlns:a16="http://schemas.microsoft.com/office/drawing/2014/main" id="{ACE9170A-E45A-4987-97FF-8A413B07545A}"/>
-              </a:ext>
-            </a:extLst>
-          </p:cNvPr>
-          <p:cNvSpPr txBox="1"/>
-          <p:nvPr/>
-        </p:nvSpPr>
-        <p:spPr>
-          <a:xfrm>
-            <a:off x="3605048" y="3849238"/>
-            <a:ext cx="5130142" cy="307777"/>
-          </a:xfrm>
-          <a:prstGeom prst="homePlate">
-            <a:avLst/>
-          </a:prstGeom>
-          <a:solidFill>
-            <a:srgbClr val="0271AF"/>
-          </a:solidFill>
-        </p:spPr>
-        <p:txBody>
-          <a:bodyPr wrap="square" rtlCol="0">
-            <a:spAutoFit/>
-          </a:bodyPr>
-          <a:lstStyle>
-            <a:defPPr>
-              <a:defRPr lang="en-US"/>
-            </a:defPPr>
-            <a:lvl1pPr algn="ctr">
-              <a:defRPr sz="1400">
-                <a:solidFill>
-                  <a:schemeClr val="bg1"/>
-                </a:solidFill>
-                <a:latin typeface="Segoe UI" panose="020B0502040204020203" pitchFamily="34" charset="0"/>
-                <a:cs typeface="Segoe UI" panose="020B0502040204020203" pitchFamily="34" charset="0"/>
-              </a:defRPr>
-            </a:lvl1pPr>
-          </a:lstStyle>
-          <a:p>
-            <a:r>
-              <a:rPr lang="en-IE" dirty="0"/>
-              <a:t>Solution Architecture through the ages</a:t>
-            </a:r>
-          </a:p>
-        </p:txBody>
-      </p:sp>
     </p:spTree>
     <p:extLst>
       <p:ext uri="{BB962C8B-B14F-4D97-AF65-F5344CB8AC3E}">
@@ -21883,6 +21830,21 @@
 </file>
 
 <file path=customXml/item1.xml><?xml version="1.0" encoding="utf-8"?>
+<?mso-contentType ?>
+<FormTemplates xmlns="http://schemas.microsoft.com/sharepoint/v3/contenttype/forms">
+  <Display>DocumentLibraryForm</Display>
+  <Edit>DocumentLibraryForm</Edit>
+  <New>DocumentLibraryForm</New>
+</FormTemplates>
+</file>
+
+<file path=customXml/item2.xml><?xml version="1.0" encoding="utf-8"?>
+<p:properties xmlns:p="http://schemas.microsoft.com/office/2006/metadata/properties" xmlns:xsi="http://www.w3.org/2001/XMLSchema-instance" xmlns:pc="http://schemas.microsoft.com/office/infopath/2007/PartnerControls">
+  <documentManagement/>
+</p:properties>
+</file>
+
+<file path=customXml/item3.xml><?xml version="1.0" encoding="utf-8"?>
 <ct:contentTypeSchema xmlns:ct="http://schemas.microsoft.com/office/2006/metadata/contentType" xmlns:ma="http://schemas.microsoft.com/office/2006/metadata/properties/metaAttributes" ct:_="" ma:_="" ma:contentTypeName="Document" ma:contentTypeID="0x010100C06DE69A4F4BF842879CBB58309FEB35" ma:contentTypeVersion="10" ma:contentTypeDescription="Create a new document." ma:contentTypeScope="" ma:versionID="2186611467dfd53204e79c9641488a9c">
   <xsd:schema xmlns:xsd="http://www.w3.org/2001/XMLSchema" xmlns:xs="http://www.w3.org/2001/XMLSchema" xmlns:p="http://schemas.microsoft.com/office/2006/metadata/properties" xmlns:ns2="12d2731f-cf8f-4a67-b1ff-7d98a1aee283" xmlns:ns3="c353b6c8-18ed-4b56-a5c5-6495e55a9c15" targetNamespace="http://schemas.microsoft.com/office/2006/metadata/properties" ma:root="true" ma:fieldsID="d8b4bb9d5ba4a874382a27d5d1ce83b4" ns2:_="" ns3:_="">
     <xsd:import namespace="12d2731f-cf8f-4a67-b1ff-7d98a1aee283"/>
@@ -22085,22 +22047,24 @@
 </ct:contentTypeSchema>
 </file>
 
-<file path=customXml/item2.xml><?xml version="1.0" encoding="utf-8"?>
-<p:properties xmlns:p="http://schemas.microsoft.com/office/2006/metadata/properties" xmlns:xsi="http://www.w3.org/2001/XMLSchema-instance" xmlns:pc="http://schemas.microsoft.com/office/infopath/2007/PartnerControls">
-  <documentManagement/>
-</p:properties>
+<file path=customXml/itemProps1.xml><?xml version="1.0" encoding="utf-8"?>
+<ds:datastoreItem xmlns:ds="http://schemas.openxmlformats.org/officeDocument/2006/customXml" ds:itemID="{10C75660-6496-4BAB-8878-FA53D17BE5D9}">
+  <ds:schemaRefs>
+    <ds:schemaRef ds:uri="http://schemas.microsoft.com/sharepoint/v3/contenttype/forms"/>
+  </ds:schemaRefs>
+</ds:datastoreItem>
 </file>
 
-<file path=customXml/item3.xml><?xml version="1.0" encoding="utf-8"?>
-<?mso-contentType ?>
-<FormTemplates xmlns="http://schemas.microsoft.com/sharepoint/v3/contenttype/forms">
-  <Display>DocumentLibraryForm</Display>
-  <Edit>DocumentLibraryForm</Edit>
-  <New>DocumentLibraryForm</New>
-</FormTemplates>
+<file path=customXml/itemProps2.xml><?xml version="1.0" encoding="utf-8"?>
+<ds:datastoreItem xmlns:ds="http://schemas.openxmlformats.org/officeDocument/2006/customXml" ds:itemID="{A2AA3CB1-2443-4FA1-815D-951C2BDC7424}">
+  <ds:schemaRefs>
+    <ds:schemaRef ds:uri="http://schemas.microsoft.com/office/2006/metadata/properties"/>
+    <ds:schemaRef ds:uri="http://schemas.microsoft.com/office/infopath/2007/PartnerControls"/>
+  </ds:schemaRefs>
+</ds:datastoreItem>
 </file>
 
-<file path=customXml/itemProps1.xml><?xml version="1.0" encoding="utf-8"?>
+<file path=customXml/itemProps3.xml><?xml version="1.0" encoding="utf-8"?>
 <ds:datastoreItem xmlns:ds="http://schemas.openxmlformats.org/officeDocument/2006/customXml" ds:itemID="{A531BB72-B9A7-4BD7-BFB1-AC10A5517624}">
   <ds:schemaRefs>
     <ds:schemaRef ds:uri="http://schemas.microsoft.com/office/2006/metadata/contentType"/>
@@ -22117,21 +22081,4 @@
     <ds:schemaRef ds:uri="http://schemas.microsoft.com/internal/obd"/>
   </ds:schemaRefs>
 </ds:datastoreItem>
-</file>
-
-<file path=customXml/itemProps2.xml><?xml version="1.0" encoding="utf-8"?>
-<ds:datastoreItem xmlns:ds="http://schemas.openxmlformats.org/officeDocument/2006/customXml" ds:itemID="{A2AA3CB1-2443-4FA1-815D-951C2BDC7424}">
-  <ds:schemaRefs>
-    <ds:schemaRef ds:uri="http://schemas.microsoft.com/office/2006/metadata/properties"/>
-    <ds:schemaRef ds:uri="http://schemas.microsoft.com/office/infopath/2007/PartnerControls"/>
-  </ds:schemaRefs>
-</ds:datastoreItem>
-</file>
-
-<file path=customXml/itemProps3.xml><?xml version="1.0" encoding="utf-8"?>
-<ds:datastoreItem xmlns:ds="http://schemas.openxmlformats.org/officeDocument/2006/customXml" ds:itemID="{10C75660-6496-4BAB-8878-FA53D17BE5D9}">
-  <ds:schemaRefs>
-    <ds:schemaRef ds:uri="http://schemas.microsoft.com/sharepoint/v3/contenttype/forms"/>
-  </ds:schemaRefs>
-</ds:datastoreItem>
 </file>
--- a/Power BI Evolve Architecture/Evolving your Power BI Architecture using Dataflows and Shared Datasets.pptx
+++ b/Power BI Evolve Architecture/Evolving your Power BI Architecture using Dataflows and Shared Datasets.pptx
@@ -213,7 +213,7 @@
           <a:p>
             <a:fld id="{34B5C9CA-2D5F-447E-9B79-C98CB45DDD68}" type="datetimeFigureOut">
               <a:rPr lang="en-US" smtClean="0"/>
-              <a:t>3/15/2021</a:t>
+              <a:t>11/6/2021</a:t>
             </a:fld>
             <a:endParaRPr lang="en-US"/>
           </a:p>
@@ -378,7 +378,7 @@
           <a:p>
             <a:fld id="{9FBB69ED-36D7-4532-B7E1-AEDC9E37F886}" type="datetimeFigureOut">
               <a:rPr lang="en-US" smtClean="0"/>
-              <a:t>3/15/2021</a:t>
+              <a:t>11/6/2021</a:t>
             </a:fld>
             <a:endParaRPr lang="en-US"/>
           </a:p>
@@ -8366,59 +8366,6 @@
           </a:p>
         </p:txBody>
       </p:sp>
-      <p:sp>
-        <p:nvSpPr>
-          <p:cNvPr id="3" name="Speech Bubble: Oval 2">
-            <a:extLst>
-              <a:ext uri="{FF2B5EF4-FFF2-40B4-BE49-F238E27FC236}">
-                <a16:creationId xmlns:a16="http://schemas.microsoft.com/office/drawing/2014/main" id="{64DA67E0-0CD8-40E8-B8A2-F50CD0CCC534}"/>
-              </a:ext>
-            </a:extLst>
-          </p:cNvPr>
-          <p:cNvSpPr/>
-          <p:nvPr/>
-        </p:nvSpPr>
-        <p:spPr>
-          <a:xfrm>
-            <a:off x="4688932" y="1197424"/>
-            <a:ext cx="1884709" cy="1074794"/>
-          </a:xfrm>
-          <a:prstGeom prst="wedgeEllipseCallout">
-            <a:avLst>
-              <a:gd name="adj1" fmla="val -83639"/>
-              <a:gd name="adj2" fmla="val -25269"/>
-            </a:avLst>
-          </a:prstGeom>
-          <a:solidFill>
-            <a:schemeClr val="bg1"/>
-          </a:solidFill>
-        </p:spPr>
-        <p:style>
-          <a:lnRef idx="2">
-            <a:schemeClr val="accent2"/>
-          </a:lnRef>
-          <a:fillRef idx="1">
-            <a:schemeClr val="lt1"/>
-          </a:fillRef>
-          <a:effectRef idx="0">
-            <a:schemeClr val="accent2"/>
-          </a:effectRef>
-          <a:fontRef idx="minor">
-            <a:schemeClr val="dk1"/>
-          </a:fontRef>
-        </p:style>
-        <p:txBody>
-          <a:bodyPr rtlCol="0" anchor="ctr"/>
-          <a:lstStyle/>
-          <a:p>
-            <a:pPr algn="ctr"/>
-            <a:r>
-              <a:rPr lang="en-IE" sz="1050" dirty="0"/>
-              <a:t>More on dataflows in Dennes’s session next!</a:t>
-            </a:r>
-          </a:p>
-        </p:txBody>
-      </p:sp>
     </p:spTree>
     <p:extLst>
       <p:ext uri="{BB962C8B-B14F-4D97-AF65-F5344CB8AC3E}">
@@ -8463,7 +8410,7 @@
         </p:nvSpPr>
         <p:spPr>
           <a:xfrm>
-            <a:off x="-1" y="1656036"/>
+            <a:off x="0" y="1475637"/>
             <a:ext cx="8384661" cy="2490219"/>
           </a:xfrm>
           <a:prstGeom prst="rect">
@@ -10696,7 +10643,7 @@
         </p:nvSpPr>
         <p:spPr>
           <a:xfrm>
-            <a:off x="1343767" y="2281528"/>
+            <a:off x="1343768" y="2101129"/>
             <a:ext cx="7040893" cy="276999"/>
           </a:xfrm>
           <a:prstGeom prst="rect">
@@ -10735,7 +10682,7 @@
         </p:nvSpPr>
         <p:spPr>
           <a:xfrm>
-            <a:off x="0" y="1521087"/>
+            <a:off x="1" y="1340688"/>
             <a:ext cx="1414170" cy="400110"/>
           </a:xfrm>
           <a:prstGeom prst="rect">
@@ -10776,7 +10723,7 @@
         </p:nvSpPr>
         <p:spPr>
           <a:xfrm>
-            <a:off x="1337556" y="2831994"/>
+            <a:off x="1337557" y="2651595"/>
             <a:ext cx="7148179" cy="276999"/>
           </a:xfrm>
           <a:prstGeom prst="rect">
@@ -10815,7 +10762,7 @@
         </p:nvSpPr>
         <p:spPr>
           <a:xfrm>
-            <a:off x="1306658" y="3397908"/>
+            <a:off x="1306659" y="3217509"/>
             <a:ext cx="7011998" cy="261610"/>
           </a:xfrm>
           <a:prstGeom prst="rect">
@@ -10854,7 +10801,7 @@
         </p:nvSpPr>
         <p:spPr>
           <a:xfrm>
-            <a:off x="-2" y="2010057"/>
+            <a:off x="-1" y="1829658"/>
             <a:ext cx="2973506" cy="307777"/>
           </a:xfrm>
           <a:prstGeom prst="rect">
@@ -10893,7 +10840,7 @@
         </p:nvSpPr>
         <p:spPr>
           <a:xfrm>
-            <a:off x="-2" y="2603334"/>
+            <a:off x="-1" y="2422935"/>
             <a:ext cx="1463093" cy="307777"/>
           </a:xfrm>
           <a:prstGeom prst="rect">
@@ -10932,7 +10879,7 @@
         </p:nvSpPr>
         <p:spPr>
           <a:xfrm>
-            <a:off x="-2" y="3170488"/>
+            <a:off x="-1" y="2990089"/>
             <a:ext cx="966931" cy="307777"/>
           </a:xfrm>
           <a:prstGeom prst="rect">
@@ -11037,7 +10984,7 @@
           </a:bodyPr>
           <a:lstStyle/>
           <a:p>
-            <a:pPr marL="0">
+            <a:pPr>
               <a:spcBef>
                 <a:spcPts val="0"/>
               </a:spcBef>
@@ -11058,7 +11005,7 @@
             </a:r>
           </a:p>
           <a:p>
-            <a:pPr marL="0">
+            <a:pPr>
               <a:spcBef>
                 <a:spcPts val="0"/>
               </a:spcBef>
@@ -11079,7 +11026,7 @@
             </a:r>
           </a:p>
           <a:p>
-            <a:pPr marL="0">
+            <a:pPr>
               <a:spcBef>
                 <a:spcPts val="0"/>
               </a:spcBef>
@@ -11100,7 +11047,7 @@
             </a:r>
           </a:p>
           <a:p>
-            <a:pPr marL="0">
+            <a:pPr>
               <a:spcBef>
                 <a:spcPts val="0"/>
               </a:spcBef>
@@ -11121,7 +11068,7 @@
             </a:r>
           </a:p>
           <a:p>
-            <a:pPr marL="0">
+            <a:pPr>
               <a:spcBef>
                 <a:spcPts val="0"/>
               </a:spcBef>
@@ -11142,7 +11089,7 @@
             </a:r>
           </a:p>
           <a:p>
-            <a:pPr marL="0">
+            <a:pPr>
               <a:spcBef>
                 <a:spcPts val="0"/>
               </a:spcBef>
@@ -11596,7 +11543,7 @@
         </p:blipFill>
         <p:spPr>
           <a:xfrm>
-            <a:off x="5922997" y="4917422"/>
+            <a:off x="4992269" y="4917569"/>
             <a:ext cx="534764" cy="533871"/>
           </a:xfrm>
           <a:prstGeom prst="rect">
@@ -11604,81 +11551,12 @@
           </a:prstGeom>
         </p:spPr>
       </p:pic>
-      <p:pic>
-        <p:nvPicPr>
-          <p:cNvPr id="14" name="Graphic 13" descr="Envelope">
-            <a:extLst>
-              <a:ext uri="{FF2B5EF4-FFF2-40B4-BE49-F238E27FC236}">
-                <a16:creationId xmlns:a16="http://schemas.microsoft.com/office/drawing/2014/main" id="{749A4629-AB46-4E2D-91C4-0617FA694759}"/>
-              </a:ext>
-            </a:extLst>
-          </p:cNvPr>
-          <p:cNvPicPr>
-            <a:picLocks noChangeAspect="1"/>
-          </p:cNvPicPr>
-          <p:nvPr/>
-        </p:nvPicPr>
-        <p:blipFill>
-          <a:blip r:embed="rId5">
-            <a:extLst>
-              <a:ext uri="{28A0092B-C50C-407E-A947-70E740481C1C}">
-                <a14:useLocalDpi xmlns:a14="http://schemas.microsoft.com/office/drawing/2010/main" val="0"/>
-              </a:ext>
-              <a:ext uri="{96DAC541-7B7A-43D3-8B79-37D633B846F1}">
-                <asvg:svgBlip xmlns:asvg="http://schemas.microsoft.com/office/drawing/2016/SVG/main" r:embed="rId6"/>
-              </a:ext>
-            </a:extLst>
-          </a:blip>
-          <a:stretch>
-            <a:fillRect/>
-          </a:stretch>
-        </p:blipFill>
-        <p:spPr>
-          <a:xfrm>
-            <a:off x="5841577" y="4270270"/>
-            <a:ext cx="706185" cy="706185"/>
-          </a:xfrm>
-          <a:prstGeom prst="rect">
-            <a:avLst/>
-          </a:prstGeom>
-        </p:spPr>
-      </p:pic>
-      <p:pic>
-        <p:nvPicPr>
-          <p:cNvPr id="15" name="Picture 14">
-            <a:extLst>
-              <a:ext uri="{FF2B5EF4-FFF2-40B4-BE49-F238E27FC236}">
-                <a16:creationId xmlns:a16="http://schemas.microsoft.com/office/drawing/2014/main" id="{F95EF7ED-93EC-40FE-9280-798D45D02876}"/>
-              </a:ext>
-            </a:extLst>
-          </p:cNvPr>
-          <p:cNvPicPr>
-            <a:picLocks noChangeAspect="1"/>
-          </p:cNvPicPr>
-          <p:nvPr/>
-        </p:nvPicPr>
-        <p:blipFill>
-          <a:blip r:embed="rId7"/>
-          <a:stretch>
-            <a:fillRect/>
-          </a:stretch>
-        </p:blipFill>
-        <p:spPr>
-          <a:xfrm>
-            <a:off x="5914002" y="5501433"/>
-            <a:ext cx="543759" cy="542442"/>
-          </a:xfrm>
-          <a:prstGeom prst="rect">
-            <a:avLst/>
-          </a:prstGeom>
-        </p:spPr>
-      </p:pic>
-      <p:sp>
-        <p:nvSpPr>
-          <p:cNvPr id="17" name="TextBox 16">
-            <a:extLst>
-              <a:ext uri="{FF2B5EF4-FFF2-40B4-BE49-F238E27FC236}">
-                <a16:creationId xmlns:a16="http://schemas.microsoft.com/office/drawing/2014/main" id="{0E90488A-DA76-4F0D-9C86-91914C44A92C}"/>
+      <p:sp>
+        <p:nvSpPr>
+          <p:cNvPr id="18" name="TextBox 17">
+            <a:extLst>
+              <a:ext uri="{FF2B5EF4-FFF2-40B4-BE49-F238E27FC236}">
+                <a16:creationId xmlns:a16="http://schemas.microsoft.com/office/drawing/2014/main" id="{447DAB3D-C9B8-42D4-B78B-76823F77CE6B}"/>
               </a:ext>
             </a:extLst>
           </p:cNvPr>
@@ -11687,74 +11565,7 @@
         </p:nvSpPr>
         <p:spPr>
           <a:xfrm>
-            <a:off x="6554970" y="5572599"/>
-            <a:ext cx="3677679" cy="400110"/>
-          </a:xfrm>
-          <a:prstGeom prst="rect">
-            <a:avLst/>
-          </a:prstGeom>
-          <a:noFill/>
-        </p:spPr>
-        <p:txBody>
-          <a:bodyPr wrap="square" rtlCol="0">
-            <a:spAutoFit/>
-          </a:bodyPr>
-          <a:lstStyle/>
-          <a:p>
-            <a:r>
-              <a:rPr lang="en-IE" sz="2000" dirty="0">
-                <a:solidFill>
-                  <a:schemeClr val="tx1">
-                    <a:lumMod val="65000"/>
-                    <a:lumOff val="35000"/>
-                  </a:schemeClr>
-                </a:solidFill>
-                <a:latin typeface="Segoe UI" panose="020B0502040204020203" pitchFamily="34" charset="0"/>
-                <a:cs typeface="Segoe UI" panose="020B0502040204020203" pitchFamily="34" charset="0"/>
-              </a:rPr>
-              <a:t>linkedin.com/in/</a:t>
-            </a:r>
-            <a:r>
-              <a:rPr lang="en-IE" sz="2000" dirty="0" err="1">
-                <a:solidFill>
-                  <a:schemeClr val="tx1">
-                    <a:lumMod val="65000"/>
-                    <a:lumOff val="35000"/>
-                  </a:schemeClr>
-                </a:solidFill>
-                <a:latin typeface="Segoe UI" panose="020B0502040204020203" pitchFamily="34" charset="0"/>
-                <a:cs typeface="Segoe UI" panose="020B0502040204020203" pitchFamily="34" charset="0"/>
-              </a:rPr>
-              <a:t>benonline</a:t>
-            </a:r>
-            <a:endParaRPr lang="en-IE" sz="2000" dirty="0">
-              <a:solidFill>
-                <a:schemeClr val="tx1">
-                  <a:lumMod val="65000"/>
-                  <a:lumOff val="35000"/>
-                </a:schemeClr>
-              </a:solidFill>
-              <a:latin typeface="Segoe UI" panose="020B0502040204020203" pitchFamily="34" charset="0"/>
-              <a:cs typeface="Segoe UI" panose="020B0502040204020203" pitchFamily="34" charset="0"/>
-            </a:endParaRPr>
-          </a:p>
-        </p:txBody>
-      </p:sp>
-      <p:sp>
-        <p:nvSpPr>
-          <p:cNvPr id="18" name="TextBox 17">
-            <a:extLst>
-              <a:ext uri="{FF2B5EF4-FFF2-40B4-BE49-F238E27FC236}">
-                <a16:creationId xmlns:a16="http://schemas.microsoft.com/office/drawing/2014/main" id="{447DAB3D-C9B8-42D4-B78B-76823F77CE6B}"/>
-              </a:ext>
-            </a:extLst>
-          </p:cNvPr>
-          <p:cNvSpPr txBox="1"/>
-          <p:nvPr/>
-        </p:nvSpPr>
-        <p:spPr>
-          <a:xfrm>
-            <a:off x="6554970" y="4984450"/>
+            <a:off x="5527033" y="4984449"/>
             <a:ext cx="2775385" cy="400110"/>
           </a:xfrm>
           <a:prstGeom prst="rect">
@@ -11804,50 +11615,6 @@
               <a:latin typeface="Segoe UI" panose="020B0502040204020203" pitchFamily="34" charset="0"/>
               <a:cs typeface="Segoe UI" panose="020B0502040204020203" pitchFamily="34" charset="0"/>
             </a:endParaRPr>
-          </a:p>
-        </p:txBody>
-      </p:sp>
-      <p:sp>
-        <p:nvSpPr>
-          <p:cNvPr id="19" name="TextBox 18">
-            <a:extLst>
-              <a:ext uri="{FF2B5EF4-FFF2-40B4-BE49-F238E27FC236}">
-                <a16:creationId xmlns:a16="http://schemas.microsoft.com/office/drawing/2014/main" id="{B56F43C5-C8E8-4D75-8125-9AABA4711640}"/>
-              </a:ext>
-            </a:extLst>
-          </p:cNvPr>
-          <p:cNvSpPr txBox="1"/>
-          <p:nvPr/>
-        </p:nvSpPr>
-        <p:spPr>
-          <a:xfrm>
-            <a:off x="6554970" y="4432106"/>
-            <a:ext cx="2775385" cy="400110"/>
-          </a:xfrm>
-          <a:prstGeom prst="rect">
-            <a:avLst/>
-          </a:prstGeom>
-          <a:noFill/>
-        </p:spPr>
-        <p:txBody>
-          <a:bodyPr wrap="square" rtlCol="0">
-            <a:spAutoFit/>
-          </a:bodyPr>
-          <a:lstStyle/>
-          <a:p>
-            <a:r>
-              <a:rPr lang="en-IE" sz="2000" dirty="0">
-                <a:solidFill>
-                  <a:schemeClr val="tx1">
-                    <a:lumMod val="65000"/>
-                    <a:lumOff val="35000"/>
-                  </a:schemeClr>
-                </a:solidFill>
-                <a:latin typeface="Segoe UI" panose="020B0502040204020203" pitchFamily="34" charset="0"/>
-                <a:cs typeface="Segoe UI" panose="020B0502040204020203" pitchFamily="34" charset="0"/>
-              </a:rPr>
-              <a:t>ben@datalineo.com</a:t>
-            </a:r>
           </a:p>
         </p:txBody>
       </p:sp>
@@ -11974,10 +11741,10 @@
       </p:sp>
       <p:pic>
         <p:nvPicPr>
-          <p:cNvPr id="8" name="Picture 7">
-            <a:extLst>
-              <a:ext uri="{FF2B5EF4-FFF2-40B4-BE49-F238E27FC236}">
-                <a16:creationId xmlns:a16="http://schemas.microsoft.com/office/drawing/2014/main" id="{40F0BA1A-DA0D-4F0D-9595-5ED0ABAFC90A}"/>
+          <p:cNvPr id="11" name="Graphic 10" descr="Database">
+            <a:extLst>
+              <a:ext uri="{FF2B5EF4-FFF2-40B4-BE49-F238E27FC236}">
+                <a16:creationId xmlns:a16="http://schemas.microsoft.com/office/drawing/2014/main" id="{244045C9-F48D-4E89-9DC5-8976C3908904}"/>
               </a:ext>
             </a:extLst>
           </p:cNvPr>
@@ -11987,15 +11754,24 @@
           <p:nvPr/>
         </p:nvPicPr>
         <p:blipFill>
-          <a:blip r:embed="rId2"/>
+          <a:blip r:embed="rId2">
+            <a:extLst>
+              <a:ext uri="{28A0092B-C50C-407E-A947-70E740481C1C}">
+                <a14:useLocalDpi xmlns:a14="http://schemas.microsoft.com/office/drawing/2010/main" val="0"/>
+              </a:ext>
+              <a:ext uri="{96DAC541-7B7A-43D3-8B79-37D633B846F1}">
+                <asvg:svgBlip xmlns:asvg="http://schemas.microsoft.com/office/drawing/2016/SVG/main" r:embed="rId3"/>
+              </a:ext>
+            </a:extLst>
+          </a:blip>
           <a:stretch>
             <a:fillRect/>
           </a:stretch>
         </p:blipFill>
         <p:spPr>
           <a:xfrm>
-            <a:off x="1711850" y="4468044"/>
-            <a:ext cx="2275308" cy="1635944"/>
+            <a:off x="5015250" y="1436767"/>
+            <a:ext cx="914400" cy="914400"/>
           </a:xfrm>
           <a:prstGeom prst="rect">
             <a:avLst/>
@@ -12004,10 +11780,10 @@
       </p:pic>
       <p:pic>
         <p:nvPicPr>
-          <p:cNvPr id="9" name="Picture 8">
-            <a:extLst>
-              <a:ext uri="{FF2B5EF4-FFF2-40B4-BE49-F238E27FC236}">
-                <a16:creationId xmlns:a16="http://schemas.microsoft.com/office/drawing/2014/main" id="{B5073213-C252-43C5-89F3-19732706BD1B}"/>
+          <p:cNvPr id="13" name="Graphic 12" descr="Bar graph with upward trend">
+            <a:extLst>
+              <a:ext uri="{FF2B5EF4-FFF2-40B4-BE49-F238E27FC236}">
+                <a16:creationId xmlns:a16="http://schemas.microsoft.com/office/drawing/2014/main" id="{D282672F-B5DF-4B50-A7BD-085F6D9C9AD1}"/>
               </a:ext>
             </a:extLst>
           </p:cNvPr>
@@ -12017,15 +11793,24 @@
           <p:nvPr/>
         </p:nvPicPr>
         <p:blipFill>
-          <a:blip r:embed="rId3"/>
+          <a:blip r:embed="rId4">
+            <a:extLst>
+              <a:ext uri="{28A0092B-C50C-407E-A947-70E740481C1C}">
+                <a14:useLocalDpi xmlns:a14="http://schemas.microsoft.com/office/drawing/2010/main" val="0"/>
+              </a:ext>
+              <a:ext uri="{96DAC541-7B7A-43D3-8B79-37D633B846F1}">
+                <asvg:svgBlip xmlns:asvg="http://schemas.microsoft.com/office/drawing/2016/SVG/main" r:embed="rId5"/>
+              </a:ext>
+            </a:extLst>
+          </a:blip>
           <a:stretch>
             <a:fillRect/>
           </a:stretch>
         </p:blipFill>
         <p:spPr>
           <a:xfrm>
-            <a:off x="4387554" y="4462103"/>
-            <a:ext cx="2922087" cy="1641885"/>
+            <a:off x="8220518" y="1460223"/>
+            <a:ext cx="668269" cy="668269"/>
           </a:xfrm>
           <a:prstGeom prst="rect">
             <a:avLst/>
@@ -12034,10 +11819,10 @@
       </p:pic>
       <p:pic>
         <p:nvPicPr>
-          <p:cNvPr id="10" name="Picture 9">
-            <a:extLst>
-              <a:ext uri="{FF2B5EF4-FFF2-40B4-BE49-F238E27FC236}">
-                <a16:creationId xmlns:a16="http://schemas.microsoft.com/office/drawing/2014/main" id="{0829041B-B3F4-4940-A968-EF7908199333}"/>
+          <p:cNvPr id="14" name="Graphic 13" descr="Statistics">
+            <a:extLst>
+              <a:ext uri="{FF2B5EF4-FFF2-40B4-BE49-F238E27FC236}">
+                <a16:creationId xmlns:a16="http://schemas.microsoft.com/office/drawing/2014/main" id="{067E5F19-86DD-42B6-8A89-DF6637769ECE}"/>
               </a:ext>
             </a:extLst>
           </p:cNvPr>
@@ -12047,180 +11832,13 @@
           <p:nvPr/>
         </p:nvPicPr>
         <p:blipFill>
-          <a:blip r:embed="rId4"/>
-          <a:stretch>
-            <a:fillRect/>
-          </a:stretch>
-        </p:blipFill>
-        <p:spPr>
-          <a:xfrm>
-            <a:off x="7730946" y="4470317"/>
-            <a:ext cx="3487965" cy="1652840"/>
-          </a:xfrm>
-          <a:prstGeom prst="rect">
-            <a:avLst/>
-          </a:prstGeom>
-          <a:ln>
-            <a:solidFill>
-              <a:schemeClr val="accent1"/>
-            </a:solidFill>
-          </a:ln>
-        </p:spPr>
-      </p:pic>
-      <p:pic>
-        <p:nvPicPr>
-          <p:cNvPr id="11" name="Graphic 10" descr="Database">
-            <a:extLst>
-              <a:ext uri="{FF2B5EF4-FFF2-40B4-BE49-F238E27FC236}">
-                <a16:creationId xmlns:a16="http://schemas.microsoft.com/office/drawing/2014/main" id="{244045C9-F48D-4E89-9DC5-8976C3908904}"/>
-              </a:ext>
-            </a:extLst>
-          </p:cNvPr>
-          <p:cNvPicPr>
-            <a:picLocks noChangeAspect="1"/>
-          </p:cNvPicPr>
-          <p:nvPr/>
-        </p:nvPicPr>
-        <p:blipFill>
-          <a:blip r:embed="rId5">
+          <a:blip r:embed="rId6">
             <a:extLst>
               <a:ext uri="{28A0092B-C50C-407E-A947-70E740481C1C}">
                 <a14:useLocalDpi xmlns:a14="http://schemas.microsoft.com/office/drawing/2010/main" val="0"/>
               </a:ext>
               <a:ext uri="{96DAC541-7B7A-43D3-8B79-37D633B846F1}">
-                <asvg:svgBlip xmlns:asvg="http://schemas.microsoft.com/office/drawing/2016/SVG/main" r:embed="rId6"/>
-              </a:ext>
-            </a:extLst>
-          </a:blip>
-          <a:stretch>
-            <a:fillRect/>
-          </a:stretch>
-        </p:blipFill>
-        <p:spPr>
-          <a:xfrm>
-            <a:off x="5015250" y="1436767"/>
-            <a:ext cx="914400" cy="914400"/>
-          </a:xfrm>
-          <a:prstGeom prst="rect">
-            <a:avLst/>
-          </a:prstGeom>
-        </p:spPr>
-      </p:pic>
-      <p:sp>
-        <p:nvSpPr>
-          <p:cNvPr id="12" name="Cube 11">
-            <a:extLst>
-              <a:ext uri="{FF2B5EF4-FFF2-40B4-BE49-F238E27FC236}">
-                <a16:creationId xmlns:a16="http://schemas.microsoft.com/office/drawing/2014/main" id="{16BCA792-3B10-49ED-B86B-9AF57CC122CD}"/>
-              </a:ext>
-            </a:extLst>
-          </p:cNvPr>
-          <p:cNvSpPr/>
-          <p:nvPr/>
-        </p:nvSpPr>
-        <p:spPr>
-          <a:xfrm>
-            <a:off x="6720407" y="1502594"/>
-            <a:ext cx="752817" cy="749767"/>
-          </a:xfrm>
-          <a:prstGeom prst="cube">
-            <a:avLst>
-              <a:gd name="adj" fmla="val 14691"/>
-            </a:avLst>
-          </a:prstGeom>
-          <a:ln w="9525">
-            <a:solidFill>
-              <a:schemeClr val="tx1">
-                <a:lumMod val="75000"/>
-                <a:lumOff val="25000"/>
-              </a:schemeClr>
-            </a:solidFill>
-          </a:ln>
-        </p:spPr>
-        <p:style>
-          <a:lnRef idx="2">
-            <a:schemeClr val="accent5"/>
-          </a:lnRef>
-          <a:fillRef idx="1">
-            <a:schemeClr val="lt1"/>
-          </a:fillRef>
-          <a:effectRef idx="0">
-            <a:schemeClr val="accent5"/>
-          </a:effectRef>
-          <a:fontRef idx="minor">
-            <a:schemeClr val="dk1"/>
-          </a:fontRef>
-        </p:style>
-        <p:txBody>
-          <a:bodyPr rtlCol="0" anchor="ctr"/>
-          <a:lstStyle/>
-          <a:p>
-            <a:pPr algn="ctr"/>
-            <a:endParaRPr lang="en-IE"/>
-          </a:p>
-        </p:txBody>
-      </p:sp>
-      <p:pic>
-        <p:nvPicPr>
-          <p:cNvPr id="13" name="Graphic 12" descr="Bar graph with upward trend">
-            <a:extLst>
-              <a:ext uri="{FF2B5EF4-FFF2-40B4-BE49-F238E27FC236}">
-                <a16:creationId xmlns:a16="http://schemas.microsoft.com/office/drawing/2014/main" id="{D282672F-B5DF-4B50-A7BD-085F6D9C9AD1}"/>
-              </a:ext>
-            </a:extLst>
-          </p:cNvPr>
-          <p:cNvPicPr>
-            <a:picLocks noChangeAspect="1"/>
-          </p:cNvPicPr>
-          <p:nvPr/>
-        </p:nvPicPr>
-        <p:blipFill>
-          <a:blip r:embed="rId7">
-            <a:extLst>
-              <a:ext uri="{28A0092B-C50C-407E-A947-70E740481C1C}">
-                <a14:useLocalDpi xmlns:a14="http://schemas.microsoft.com/office/drawing/2010/main" val="0"/>
-              </a:ext>
-              <a:ext uri="{96DAC541-7B7A-43D3-8B79-37D633B846F1}">
-                <asvg:svgBlip xmlns:asvg="http://schemas.microsoft.com/office/drawing/2016/SVG/main" r:embed="rId8"/>
-              </a:ext>
-            </a:extLst>
-          </a:blip>
-          <a:stretch>
-            <a:fillRect/>
-          </a:stretch>
-        </p:blipFill>
-        <p:spPr>
-          <a:xfrm>
-            <a:off x="8220518" y="1460223"/>
-            <a:ext cx="668269" cy="668269"/>
-          </a:xfrm>
-          <a:prstGeom prst="rect">
-            <a:avLst/>
-          </a:prstGeom>
-        </p:spPr>
-      </p:pic>
-      <p:pic>
-        <p:nvPicPr>
-          <p:cNvPr id="14" name="Graphic 13" descr="Statistics">
-            <a:extLst>
-              <a:ext uri="{FF2B5EF4-FFF2-40B4-BE49-F238E27FC236}">
-                <a16:creationId xmlns:a16="http://schemas.microsoft.com/office/drawing/2014/main" id="{067E5F19-86DD-42B6-8A89-DF6637769ECE}"/>
-              </a:ext>
-            </a:extLst>
-          </p:cNvPr>
-          <p:cNvPicPr>
-            <a:picLocks noChangeAspect="1"/>
-          </p:cNvPicPr>
-          <p:nvPr/>
-        </p:nvPicPr>
-        <p:blipFill>
-          <a:blip r:embed="rId9">
-            <a:extLst>
-              <a:ext uri="{28A0092B-C50C-407E-A947-70E740481C1C}">
-                <a14:useLocalDpi xmlns:a14="http://schemas.microsoft.com/office/drawing/2010/main" val="0"/>
-              </a:ext>
-              <a:ext uri="{96DAC541-7B7A-43D3-8B79-37D633B846F1}">
-                <asvg:svgBlip xmlns:asvg="http://schemas.microsoft.com/office/drawing/2016/SVG/main" r:embed="rId10"/>
+                <asvg:svgBlip xmlns:asvg="http://schemas.microsoft.com/office/drawing/2016/SVG/main" r:embed="rId7"/>
               </a:ext>
             </a:extLst>
           </a:blip>
@@ -12955,13 +12573,13 @@
           <p:nvPr/>
         </p:nvPicPr>
         <p:blipFill>
-          <a:blip r:embed="rId11">
+          <a:blip r:embed="rId8">
             <a:extLst>
               <a:ext uri="{28A0092B-C50C-407E-A947-70E740481C1C}">
                 <a14:useLocalDpi xmlns:a14="http://schemas.microsoft.com/office/drawing/2010/main" val="0"/>
               </a:ext>
               <a:ext uri="{96DAC541-7B7A-43D3-8B79-37D633B846F1}">
-                <asvg:svgBlip xmlns:asvg="http://schemas.microsoft.com/office/drawing/2016/SVG/main" r:embed="rId12"/>
+                <asvg:svgBlip xmlns:asvg="http://schemas.microsoft.com/office/drawing/2016/SVG/main" r:embed="rId9"/>
               </a:ext>
             </a:extLst>
           </a:blip>
@@ -12994,13 +12612,13 @@
           <p:nvPr/>
         </p:nvPicPr>
         <p:blipFill>
-          <a:blip r:embed="rId11">
+          <a:blip r:embed="rId8">
             <a:extLst>
               <a:ext uri="{28A0092B-C50C-407E-A947-70E740481C1C}">
                 <a14:useLocalDpi xmlns:a14="http://schemas.microsoft.com/office/drawing/2010/main" val="0"/>
               </a:ext>
               <a:ext uri="{96DAC541-7B7A-43D3-8B79-37D633B846F1}">
-                <asvg:svgBlip xmlns:asvg="http://schemas.microsoft.com/office/drawing/2016/SVG/main" r:embed="rId12"/>
+                <asvg:svgBlip xmlns:asvg="http://schemas.microsoft.com/office/drawing/2016/SVG/main" r:embed="rId9"/>
               </a:ext>
             </a:extLst>
           </a:blip>
@@ -13033,13 +12651,13 @@
           <p:nvPr/>
         </p:nvPicPr>
         <p:blipFill>
-          <a:blip r:embed="rId13">
+          <a:blip r:embed="rId10">
             <a:extLst>
               <a:ext uri="{28A0092B-C50C-407E-A947-70E740481C1C}">
                 <a14:useLocalDpi xmlns:a14="http://schemas.microsoft.com/office/drawing/2010/main" val="0"/>
               </a:ext>
               <a:ext uri="{96DAC541-7B7A-43D3-8B79-37D633B846F1}">
-                <asvg:svgBlip xmlns:asvg="http://schemas.microsoft.com/office/drawing/2016/SVG/main" r:embed="rId14"/>
+                <asvg:svgBlip xmlns:asvg="http://schemas.microsoft.com/office/drawing/2016/SVG/main" r:embed="rId11"/>
               </a:ext>
             </a:extLst>
           </a:blip>
@@ -13222,13 +12840,13 @@
           <p:nvPr/>
         </p:nvPicPr>
         <p:blipFill>
-          <a:blip r:embed="rId15">
+          <a:blip r:embed="rId12">
             <a:extLst>
               <a:ext uri="{28A0092B-C50C-407E-A947-70E740481C1C}">
                 <a14:useLocalDpi xmlns:a14="http://schemas.microsoft.com/office/drawing/2010/main" val="0"/>
               </a:ext>
               <a:ext uri="{96DAC541-7B7A-43D3-8B79-37D633B846F1}">
-                <asvg:svgBlip xmlns:asvg="http://schemas.microsoft.com/office/drawing/2016/SVG/main" r:embed="rId16"/>
+                <asvg:svgBlip xmlns:asvg="http://schemas.microsoft.com/office/drawing/2016/SVG/main" r:embed="rId13"/>
               </a:ext>
             </a:extLst>
           </a:blip>
@@ -13238,8 +12856,181 @@
         </p:blipFill>
         <p:spPr>
           <a:xfrm>
-            <a:off x="2369812" y="1026107"/>
-            <a:ext cx="1188845" cy="1188845"/>
+            <a:off x="2612132" y="1112810"/>
+            <a:ext cx="1015682" cy="1015682"/>
+          </a:xfrm>
+          <a:prstGeom prst="rect">
+            <a:avLst/>
+          </a:prstGeom>
+        </p:spPr>
+      </p:pic>
+      <p:pic>
+        <p:nvPicPr>
+          <p:cNvPr id="6" name="Graphic 5" descr="Cube outline">
+            <a:extLst>
+              <a:ext uri="{FF2B5EF4-FFF2-40B4-BE49-F238E27FC236}">
+                <a16:creationId xmlns:a16="http://schemas.microsoft.com/office/drawing/2014/main" id="{7C1E7FB2-75A5-406A-9C5D-BE8734F19E17}"/>
+              </a:ext>
+            </a:extLst>
+          </p:cNvPr>
+          <p:cNvPicPr>
+            <a:picLocks noChangeAspect="1"/>
+          </p:cNvPicPr>
+          <p:nvPr/>
+        </p:nvPicPr>
+        <p:blipFill>
+          <a:blip r:embed="rId14">
+            <a:extLst>
+              <a:ext uri="{28A0092B-C50C-407E-A947-70E740481C1C}">
+                <a14:useLocalDpi xmlns:a14="http://schemas.microsoft.com/office/drawing/2010/main" val="0"/>
+              </a:ext>
+              <a:ext uri="{96DAC541-7B7A-43D3-8B79-37D633B846F1}">
+                <asvg:svgBlip xmlns:asvg="http://schemas.microsoft.com/office/drawing/2016/SVG/main" r:embed="rId15"/>
+              </a:ext>
+            </a:extLst>
+          </a:blip>
+          <a:stretch>
+            <a:fillRect/>
+          </a:stretch>
+        </p:blipFill>
+        <p:spPr>
+          <a:xfrm>
+            <a:off x="6655928" y="1414641"/>
+            <a:ext cx="914400" cy="914400"/>
+          </a:xfrm>
+          <a:prstGeom prst="rect">
+            <a:avLst/>
+          </a:prstGeom>
+        </p:spPr>
+      </p:pic>
+      <p:pic>
+        <p:nvPicPr>
+          <p:cNvPr id="38" name="Picture 37">
+            <a:extLst>
+              <a:ext uri="{FF2B5EF4-FFF2-40B4-BE49-F238E27FC236}">
+                <a16:creationId xmlns:a16="http://schemas.microsoft.com/office/drawing/2014/main" id="{9360C87E-CE97-4FE8-83D0-84FED5E6D6F7}"/>
+              </a:ext>
+            </a:extLst>
+          </p:cNvPr>
+          <p:cNvPicPr>
+            <a:picLocks noChangeAspect="1"/>
+          </p:cNvPicPr>
+          <p:nvPr/>
+        </p:nvPicPr>
+        <p:blipFill>
+          <a:blip r:embed="rId16"/>
+          <a:stretch>
+            <a:fillRect/>
+          </a:stretch>
+        </p:blipFill>
+        <p:spPr>
+          <a:xfrm>
+            <a:off x="18151" y="4261320"/>
+            <a:ext cx="1832658" cy="1317679"/>
+          </a:xfrm>
+          <a:prstGeom prst="rect">
+            <a:avLst/>
+          </a:prstGeom>
+        </p:spPr>
+      </p:pic>
+      <p:pic>
+        <p:nvPicPr>
+          <p:cNvPr id="39" name="Picture 38">
+            <a:extLst>
+              <a:ext uri="{FF2B5EF4-FFF2-40B4-BE49-F238E27FC236}">
+                <a16:creationId xmlns:a16="http://schemas.microsoft.com/office/drawing/2014/main" id="{6E46F657-9BA0-4254-B61D-420F4FDFDFE8}"/>
+              </a:ext>
+            </a:extLst>
+          </p:cNvPr>
+          <p:cNvPicPr>
+            <a:picLocks noChangeAspect="1"/>
+          </p:cNvPicPr>
+          <p:nvPr/>
+        </p:nvPicPr>
+        <p:blipFill>
+          <a:blip r:embed="rId17"/>
+          <a:stretch>
+            <a:fillRect/>
+          </a:stretch>
+        </p:blipFill>
+        <p:spPr>
+          <a:xfrm>
+            <a:off x="1967446" y="4205316"/>
+            <a:ext cx="2677519" cy="1504465"/>
+          </a:xfrm>
+          <a:prstGeom prst="rect">
+            <a:avLst/>
+          </a:prstGeom>
+        </p:spPr>
+      </p:pic>
+      <p:pic>
+        <p:nvPicPr>
+          <p:cNvPr id="40" name="Picture 39">
+            <a:extLst>
+              <a:ext uri="{FF2B5EF4-FFF2-40B4-BE49-F238E27FC236}">
+                <a16:creationId xmlns:a16="http://schemas.microsoft.com/office/drawing/2014/main" id="{805765D0-52D9-473E-9DF3-03E51ED16FB1}"/>
+              </a:ext>
+            </a:extLst>
+          </p:cNvPr>
+          <p:cNvPicPr>
+            <a:picLocks noChangeAspect="1"/>
+          </p:cNvPicPr>
+          <p:nvPr/>
+        </p:nvPicPr>
+        <p:blipFill>
+          <a:blip r:embed="rId18"/>
+          <a:stretch>
+            <a:fillRect/>
+          </a:stretch>
+        </p:blipFill>
+        <p:spPr>
+          <a:xfrm>
+            <a:off x="4861085" y="4272647"/>
+            <a:ext cx="2956863" cy="1401167"/>
+          </a:xfrm>
+          <a:prstGeom prst="rect">
+            <a:avLst/>
+          </a:prstGeom>
+          <a:ln>
+            <a:solidFill>
+              <a:schemeClr val="accent1"/>
+            </a:solidFill>
+          </a:ln>
+        </p:spPr>
+      </p:pic>
+      <p:pic>
+        <p:nvPicPr>
+          <p:cNvPr id="41" name="Graphic 40">
+            <a:extLst>
+              <a:ext uri="{FF2B5EF4-FFF2-40B4-BE49-F238E27FC236}">
+                <a16:creationId xmlns:a16="http://schemas.microsoft.com/office/drawing/2014/main" id="{4BF5EDFE-6CD0-4649-9AC7-49219C334FA0}"/>
+              </a:ext>
+            </a:extLst>
+          </p:cNvPr>
+          <p:cNvPicPr>
+            <a:picLocks noChangeAspect="1"/>
+          </p:cNvPicPr>
+          <p:nvPr/>
+        </p:nvPicPr>
+        <p:blipFill>
+          <a:blip r:embed="rId19">
+            <a:extLst>
+              <a:ext uri="{28A0092B-C50C-407E-A947-70E740481C1C}">
+                <a14:useLocalDpi xmlns:a14="http://schemas.microsoft.com/office/drawing/2010/main" val="0"/>
+              </a:ext>
+              <a:ext uri="{96DAC541-7B7A-43D3-8B79-37D633B846F1}">
+                <asvg:svgBlip xmlns:asvg="http://schemas.microsoft.com/office/drawing/2016/SVG/main" r:embed="rId20"/>
+              </a:ext>
+            </a:extLst>
+          </a:blip>
+          <a:stretch>
+            <a:fillRect/>
+          </a:stretch>
+        </p:blipFill>
+        <p:spPr>
+          <a:xfrm>
+            <a:off x="8161155" y="4187208"/>
+            <a:ext cx="3614299" cy="1540680"/>
           </a:xfrm>
           <a:prstGeom prst="rect">
             <a:avLst/>
@@ -13406,60 +13197,6 @@
           </a:prstGeom>
         </p:spPr>
       </p:pic>
-      <p:sp>
-        <p:nvSpPr>
-          <p:cNvPr id="40" name="Cube 39">
-            <a:extLst>
-              <a:ext uri="{FF2B5EF4-FFF2-40B4-BE49-F238E27FC236}">
-                <a16:creationId xmlns:a16="http://schemas.microsoft.com/office/drawing/2014/main" id="{F739772E-530D-479B-A977-AF01CB99644B}"/>
-              </a:ext>
-            </a:extLst>
-          </p:cNvPr>
-          <p:cNvSpPr/>
-          <p:nvPr/>
-        </p:nvSpPr>
-        <p:spPr>
-          <a:xfrm>
-            <a:off x="5821929" y="1471628"/>
-            <a:ext cx="752817" cy="749767"/>
-          </a:xfrm>
-          <a:prstGeom prst="cube">
-            <a:avLst>
-              <a:gd name="adj" fmla="val 14691"/>
-            </a:avLst>
-          </a:prstGeom>
-          <a:ln w="9525">
-            <a:solidFill>
-              <a:schemeClr val="tx1">
-                <a:lumMod val="75000"/>
-                <a:lumOff val="25000"/>
-              </a:schemeClr>
-            </a:solidFill>
-          </a:ln>
-        </p:spPr>
-        <p:style>
-          <a:lnRef idx="2">
-            <a:schemeClr val="accent5"/>
-          </a:lnRef>
-          <a:fillRef idx="1">
-            <a:schemeClr val="lt1"/>
-          </a:fillRef>
-          <a:effectRef idx="0">
-            <a:schemeClr val="accent5"/>
-          </a:effectRef>
-          <a:fontRef idx="minor">
-            <a:schemeClr val="dk1"/>
-          </a:fontRef>
-        </p:style>
-        <p:txBody>
-          <a:bodyPr rtlCol="0" anchor="ctr"/>
-          <a:lstStyle/>
-          <a:p>
-            <a:pPr algn="ctr"/>
-            <a:endParaRPr lang="en-IE"/>
-          </a:p>
-        </p:txBody>
-      </p:sp>
       <p:pic>
         <p:nvPicPr>
           <p:cNvPr id="41" name="Graphic 40" descr="Bar graph with upward trend">
@@ -13531,84 +13268,6 @@
         <p:spPr>
           <a:xfrm>
             <a:off x="7836712" y="1682594"/>
-            <a:ext cx="668269" cy="668269"/>
-          </a:xfrm>
-          <a:prstGeom prst="rect">
-            <a:avLst/>
-          </a:prstGeom>
-        </p:spPr>
-      </p:pic>
-      <p:pic>
-        <p:nvPicPr>
-          <p:cNvPr id="43" name="Graphic 42" descr="Table">
-            <a:extLst>
-              <a:ext uri="{FF2B5EF4-FFF2-40B4-BE49-F238E27FC236}">
-                <a16:creationId xmlns:a16="http://schemas.microsoft.com/office/drawing/2014/main" id="{7421F1B6-B31A-4987-B7A6-D8ABBCC06851}"/>
-              </a:ext>
-            </a:extLst>
-          </p:cNvPr>
-          <p:cNvPicPr>
-            <a:picLocks noChangeAspect="1"/>
-          </p:cNvPicPr>
-          <p:nvPr/>
-        </p:nvPicPr>
-        <p:blipFill>
-          <a:blip r:embed="rId8">
-            <a:extLst>
-              <a:ext uri="{28A0092B-C50C-407E-A947-70E740481C1C}">
-                <a14:useLocalDpi xmlns:a14="http://schemas.microsoft.com/office/drawing/2010/main" val="0"/>
-              </a:ext>
-              <a:ext uri="{96DAC541-7B7A-43D3-8B79-37D633B846F1}">
-                <asvg:svgBlip xmlns:asvg="http://schemas.microsoft.com/office/drawing/2016/SVG/main" r:embed="rId9"/>
-              </a:ext>
-            </a:extLst>
-          </a:blip>
-          <a:stretch>
-            <a:fillRect/>
-          </a:stretch>
-        </p:blipFill>
-        <p:spPr>
-          <a:xfrm>
-            <a:off x="1830356" y="1026408"/>
-            <a:ext cx="668269" cy="668269"/>
-          </a:xfrm>
-          <a:prstGeom prst="rect">
-            <a:avLst/>
-          </a:prstGeom>
-        </p:spPr>
-      </p:pic>
-      <p:pic>
-        <p:nvPicPr>
-          <p:cNvPr id="44" name="Graphic 43" descr="Server">
-            <a:extLst>
-              <a:ext uri="{FF2B5EF4-FFF2-40B4-BE49-F238E27FC236}">
-                <a16:creationId xmlns:a16="http://schemas.microsoft.com/office/drawing/2014/main" id="{9B1E97F4-3EC1-487B-9376-1030B8E1CD77}"/>
-              </a:ext>
-            </a:extLst>
-          </p:cNvPr>
-          <p:cNvPicPr>
-            <a:picLocks noChangeAspect="1"/>
-          </p:cNvPicPr>
-          <p:nvPr/>
-        </p:nvPicPr>
-        <p:blipFill>
-          <a:blip r:embed="rId10">
-            <a:extLst>
-              <a:ext uri="{28A0092B-C50C-407E-A947-70E740481C1C}">
-                <a14:useLocalDpi xmlns:a14="http://schemas.microsoft.com/office/drawing/2010/main" val="0"/>
-              </a:ext>
-              <a:ext uri="{96DAC541-7B7A-43D3-8B79-37D633B846F1}">
-                <asvg:svgBlip xmlns:asvg="http://schemas.microsoft.com/office/drawing/2016/SVG/main" r:embed="rId11"/>
-              </a:ext>
-            </a:extLst>
-          </a:blip>
-          <a:stretch>
-            <a:fillRect/>
-          </a:stretch>
-        </p:blipFill>
-        <p:spPr>
-          <a:xfrm>
-            <a:off x="2087692" y="1570852"/>
             <a:ext cx="668269" cy="668269"/>
           </a:xfrm>
           <a:prstGeom prst="rect">
@@ -13994,13 +13653,13 @@
           <p:nvPr/>
         </p:nvPicPr>
         <p:blipFill>
-          <a:blip r:embed="rId12">
+          <a:blip r:embed="rId8">
             <a:extLst>
               <a:ext uri="{28A0092B-C50C-407E-A947-70E740481C1C}">
                 <a14:useLocalDpi xmlns:a14="http://schemas.microsoft.com/office/drawing/2010/main" val="0"/>
               </a:ext>
               <a:ext uri="{96DAC541-7B7A-43D3-8B79-37D633B846F1}">
-                <asvg:svgBlip xmlns:asvg="http://schemas.microsoft.com/office/drawing/2016/SVG/main" r:embed="rId13"/>
+                <asvg:svgBlip xmlns:asvg="http://schemas.microsoft.com/office/drawing/2016/SVG/main" r:embed="rId9"/>
               </a:ext>
             </a:extLst>
           </a:blip>
@@ -14033,13 +13692,13 @@
           <p:nvPr/>
         </p:nvPicPr>
         <p:blipFill>
-          <a:blip r:embed="rId12">
+          <a:blip r:embed="rId8">
             <a:extLst>
               <a:ext uri="{28A0092B-C50C-407E-A947-70E740481C1C}">
                 <a14:useLocalDpi xmlns:a14="http://schemas.microsoft.com/office/drawing/2010/main" val="0"/>
               </a:ext>
               <a:ext uri="{96DAC541-7B7A-43D3-8B79-37D633B846F1}">
-                <asvg:svgBlip xmlns:asvg="http://schemas.microsoft.com/office/drawing/2016/SVG/main" r:embed="rId13"/>
+                <asvg:svgBlip xmlns:asvg="http://schemas.microsoft.com/office/drawing/2016/SVG/main" r:embed="rId9"/>
               </a:ext>
             </a:extLst>
           </a:blip>
@@ -14072,13 +13731,13 @@
           <p:nvPr/>
         </p:nvPicPr>
         <p:blipFill>
-          <a:blip r:embed="rId14">
+          <a:blip r:embed="rId10">
             <a:extLst>
               <a:ext uri="{28A0092B-C50C-407E-A947-70E740481C1C}">
                 <a14:useLocalDpi xmlns:a14="http://schemas.microsoft.com/office/drawing/2010/main" val="0"/>
               </a:ext>
               <a:ext uri="{96DAC541-7B7A-43D3-8B79-37D633B846F1}">
-                <asvg:svgBlip xmlns:asvg="http://schemas.microsoft.com/office/drawing/2016/SVG/main" r:embed="rId15"/>
+                <asvg:svgBlip xmlns:asvg="http://schemas.microsoft.com/office/drawing/2016/SVG/main" r:embed="rId11"/>
               </a:ext>
             </a:extLst>
           </a:blip>
@@ -14111,7 +13770,7 @@
           <p:nvPr/>
         </p:nvPicPr>
         <p:blipFill>
-          <a:blip r:embed="rId16"/>
+          <a:blip r:embed="rId12"/>
           <a:stretch>
             <a:fillRect/>
           </a:stretch>
@@ -14408,13 +14067,13 @@
           <p:nvPr/>
         </p:nvPicPr>
         <p:blipFill>
-          <a:blip r:embed="rId17" cstate="print">
+          <a:blip r:embed="rId13" cstate="print">
             <a:extLst>
               <a:ext uri="{28A0092B-C50C-407E-A947-70E740481C1C}">
                 <a14:useLocalDpi xmlns:a14="http://schemas.microsoft.com/office/drawing/2010/main" val="0"/>
               </a:ext>
               <a:ext uri="{96DAC541-7B7A-43D3-8B79-37D633B846F1}">
-                <asvg:svgBlip xmlns:asvg="http://schemas.microsoft.com/office/drawing/2016/SVG/main" r:embed="rId18"/>
+                <asvg:svgBlip xmlns:asvg="http://schemas.microsoft.com/office/drawing/2016/SVG/main" r:embed="rId14"/>
               </a:ext>
             </a:extLst>
           </a:blip>
@@ -14711,7 +14370,7 @@
           <p:nvPr/>
         </p:nvPicPr>
         <p:blipFill>
-          <a:blip r:embed="rId19"/>
+          <a:blip r:embed="rId15"/>
           <a:stretch>
             <a:fillRect/>
           </a:stretch>
@@ -14720,84 +14379,6 @@
           <a:xfrm>
             <a:off x="7635033" y="3887285"/>
             <a:ext cx="357854" cy="386483"/>
-          </a:xfrm>
-          <a:prstGeom prst="rect">
-            <a:avLst/>
-          </a:prstGeom>
-        </p:spPr>
-      </p:pic>
-      <p:pic>
-        <p:nvPicPr>
-          <p:cNvPr id="70" name="Graphic 69" descr="Table">
-            <a:extLst>
-              <a:ext uri="{FF2B5EF4-FFF2-40B4-BE49-F238E27FC236}">
-                <a16:creationId xmlns:a16="http://schemas.microsoft.com/office/drawing/2014/main" id="{B13B8EA6-16B2-4770-A06D-EC5485188348}"/>
-              </a:ext>
-            </a:extLst>
-          </p:cNvPr>
-          <p:cNvPicPr>
-            <a:picLocks noChangeAspect="1"/>
-          </p:cNvPicPr>
-          <p:nvPr/>
-        </p:nvPicPr>
-        <p:blipFill>
-          <a:blip r:embed="rId8">
-            <a:extLst>
-              <a:ext uri="{28A0092B-C50C-407E-A947-70E740481C1C}">
-                <a14:useLocalDpi xmlns:a14="http://schemas.microsoft.com/office/drawing/2010/main" val="0"/>
-              </a:ext>
-              <a:ext uri="{96DAC541-7B7A-43D3-8B79-37D633B846F1}">
-                <asvg:svgBlip xmlns:asvg="http://schemas.microsoft.com/office/drawing/2016/SVG/main" r:embed="rId9"/>
-              </a:ext>
-            </a:extLst>
-          </a:blip>
-          <a:stretch>
-            <a:fillRect/>
-          </a:stretch>
-        </p:blipFill>
-        <p:spPr>
-          <a:xfrm>
-            <a:off x="8504981" y="3050634"/>
-            <a:ext cx="419474" cy="419474"/>
-          </a:xfrm>
-          <a:prstGeom prst="rect">
-            <a:avLst/>
-          </a:prstGeom>
-        </p:spPr>
-      </p:pic>
-      <p:pic>
-        <p:nvPicPr>
-          <p:cNvPr id="71" name="Graphic 70" descr="Server">
-            <a:extLst>
-              <a:ext uri="{FF2B5EF4-FFF2-40B4-BE49-F238E27FC236}">
-                <a16:creationId xmlns:a16="http://schemas.microsoft.com/office/drawing/2014/main" id="{B82E8FC2-B35D-4A05-8733-DC230A3B6D91}"/>
-              </a:ext>
-            </a:extLst>
-          </p:cNvPr>
-          <p:cNvPicPr>
-            <a:picLocks noChangeAspect="1"/>
-          </p:cNvPicPr>
-          <p:nvPr/>
-        </p:nvPicPr>
-        <p:blipFill>
-          <a:blip r:embed="rId10" cstate="print">
-            <a:extLst>
-              <a:ext uri="{28A0092B-C50C-407E-A947-70E740481C1C}">
-                <a14:useLocalDpi xmlns:a14="http://schemas.microsoft.com/office/drawing/2010/main" val="0"/>
-              </a:ext>
-              <a:ext uri="{96DAC541-7B7A-43D3-8B79-37D633B846F1}">
-                <asvg:svgBlip xmlns:asvg="http://schemas.microsoft.com/office/drawing/2016/SVG/main" r:embed="rId11"/>
-              </a:ext>
-            </a:extLst>
-          </a:blip>
-          <a:stretch>
-            <a:fillRect/>
-          </a:stretch>
-        </p:blipFill>
-        <p:spPr>
-          <a:xfrm>
-            <a:off x="8642176" y="3429000"/>
-            <a:ext cx="326162" cy="326162"/>
           </a:xfrm>
           <a:prstGeom prst="rect">
             <a:avLst/>
@@ -14958,7 +14539,6 @@
           </p:cNvPr>
           <p:cNvCxnSpPr>
             <a:cxnSpLocks/>
-            <a:stCxn id="71" idx="3"/>
             <a:endCxn id="61" idx="2"/>
           </p:cNvCxnSpPr>
           <p:nvPr/>
@@ -15301,6 +14881,123 @@
           </a:p>
         </p:txBody>
       </p:sp>
+      <p:pic>
+        <p:nvPicPr>
+          <p:cNvPr id="80" name="Graphic 79" descr="Cube outline">
+            <a:extLst>
+              <a:ext uri="{FF2B5EF4-FFF2-40B4-BE49-F238E27FC236}">
+                <a16:creationId xmlns:a16="http://schemas.microsoft.com/office/drawing/2014/main" id="{3FAA99DC-9D82-4A55-8C79-90A9044C5C80}"/>
+              </a:ext>
+            </a:extLst>
+          </p:cNvPr>
+          <p:cNvPicPr>
+            <a:picLocks noChangeAspect="1"/>
+          </p:cNvPicPr>
+          <p:nvPr/>
+        </p:nvPicPr>
+        <p:blipFill>
+          <a:blip r:embed="rId16">
+            <a:extLst>
+              <a:ext uri="{28A0092B-C50C-407E-A947-70E740481C1C}">
+                <a14:useLocalDpi xmlns:a14="http://schemas.microsoft.com/office/drawing/2010/main" val="0"/>
+              </a:ext>
+              <a:ext uri="{96DAC541-7B7A-43D3-8B79-37D633B846F1}">
+                <asvg:svgBlip xmlns:asvg="http://schemas.microsoft.com/office/drawing/2016/SVG/main" r:embed="rId17"/>
+              </a:ext>
+            </a:extLst>
+          </a:blip>
+          <a:stretch>
+            <a:fillRect/>
+          </a:stretch>
+        </p:blipFill>
+        <p:spPr>
+          <a:xfrm>
+            <a:off x="5802787" y="1366150"/>
+            <a:ext cx="914400" cy="914400"/>
+          </a:xfrm>
+          <a:prstGeom prst="rect">
+            <a:avLst/>
+          </a:prstGeom>
+        </p:spPr>
+      </p:pic>
+      <p:pic>
+        <p:nvPicPr>
+          <p:cNvPr id="81" name="Graphic 80">
+            <a:extLst>
+              <a:ext uri="{FF2B5EF4-FFF2-40B4-BE49-F238E27FC236}">
+                <a16:creationId xmlns:a16="http://schemas.microsoft.com/office/drawing/2014/main" id="{78F589C5-60A8-4933-83F5-DF8E0A7BB896}"/>
+              </a:ext>
+            </a:extLst>
+          </p:cNvPr>
+          <p:cNvPicPr>
+            <a:picLocks noChangeAspect="1"/>
+          </p:cNvPicPr>
+          <p:nvPr/>
+        </p:nvPicPr>
+        <p:blipFill>
+          <a:blip r:embed="rId18">
+            <a:extLst>
+              <a:ext uri="{28A0092B-C50C-407E-A947-70E740481C1C}">
+                <a14:useLocalDpi xmlns:a14="http://schemas.microsoft.com/office/drawing/2010/main" val="0"/>
+              </a:ext>
+              <a:ext uri="{96DAC541-7B7A-43D3-8B79-37D633B846F1}">
+                <asvg:svgBlip xmlns:asvg="http://schemas.microsoft.com/office/drawing/2016/SVG/main" r:embed="rId19"/>
+              </a:ext>
+            </a:extLst>
+          </a:blip>
+          <a:stretch>
+            <a:fillRect/>
+          </a:stretch>
+        </p:blipFill>
+        <p:spPr>
+          <a:xfrm>
+            <a:off x="1791616" y="1210070"/>
+            <a:ext cx="914400" cy="914400"/>
+          </a:xfrm>
+          <a:prstGeom prst="rect">
+            <a:avLst/>
+          </a:prstGeom>
+        </p:spPr>
+      </p:pic>
+      <p:pic>
+        <p:nvPicPr>
+          <p:cNvPr id="82" name="Graphic 81">
+            <a:extLst>
+              <a:ext uri="{FF2B5EF4-FFF2-40B4-BE49-F238E27FC236}">
+                <a16:creationId xmlns:a16="http://schemas.microsoft.com/office/drawing/2014/main" id="{35148848-7FB5-4C19-9E80-1B526D3EFB53}"/>
+              </a:ext>
+            </a:extLst>
+          </p:cNvPr>
+          <p:cNvPicPr>
+            <a:picLocks noChangeAspect="1"/>
+          </p:cNvPicPr>
+          <p:nvPr/>
+        </p:nvPicPr>
+        <p:blipFill>
+          <a:blip r:embed="rId18">
+            <a:extLst>
+              <a:ext uri="{28A0092B-C50C-407E-A947-70E740481C1C}">
+                <a14:useLocalDpi xmlns:a14="http://schemas.microsoft.com/office/drawing/2010/main" val="0"/>
+              </a:ext>
+              <a:ext uri="{96DAC541-7B7A-43D3-8B79-37D633B846F1}">
+                <asvg:svgBlip xmlns:asvg="http://schemas.microsoft.com/office/drawing/2016/SVG/main" r:embed="rId19"/>
+              </a:ext>
+            </a:extLst>
+          </a:blip>
+          <a:stretch>
+            <a:fillRect/>
+          </a:stretch>
+        </p:blipFill>
+        <p:spPr>
+          <a:xfrm>
+            <a:off x="8455499" y="3199119"/>
+            <a:ext cx="456608" cy="456608"/>
+          </a:xfrm>
+          <a:prstGeom prst="rect">
+            <a:avLst/>
+          </a:prstGeom>
+        </p:spPr>
+      </p:pic>
     </p:spTree>
     <p:extLst>
       <p:ext uri="{BB962C8B-B14F-4D97-AF65-F5344CB8AC3E}">
@@ -15499,41 +15196,6 @@
           </a:p>
         </p:txBody>
       </p:sp>
-      <p:pic>
-        <p:nvPicPr>
-          <p:cNvPr id="5" name="Picture 4">
-            <a:extLst>
-              <a:ext uri="{FF2B5EF4-FFF2-40B4-BE49-F238E27FC236}">
-                <a16:creationId xmlns:a16="http://schemas.microsoft.com/office/drawing/2014/main" id="{7BF21D81-C6BE-41F8-B2C6-AD606A28A773}"/>
-              </a:ext>
-            </a:extLst>
-          </p:cNvPr>
-          <p:cNvPicPr>
-            <a:picLocks noChangeAspect="1"/>
-          </p:cNvPicPr>
-          <p:nvPr/>
-        </p:nvPicPr>
-        <p:blipFill>
-          <a:blip r:embed="rId2"/>
-          <a:stretch>
-            <a:fillRect/>
-          </a:stretch>
-        </p:blipFill>
-        <p:spPr>
-          <a:xfrm>
-            <a:off x="5956183" y="2719365"/>
-            <a:ext cx="5829912" cy="3151576"/>
-          </a:xfrm>
-          <a:prstGeom prst="rect">
-            <a:avLst/>
-          </a:prstGeom>
-          <a:ln>
-            <a:solidFill>
-              <a:schemeClr val="tx2"/>
-            </a:solidFill>
-          </a:ln>
-        </p:spPr>
-      </p:pic>
       <p:sp>
         <p:nvSpPr>
           <p:cNvPr id="7" name="TextBox 6">
@@ -15549,7 +15211,7 @@
         <p:spPr>
           <a:xfrm>
             <a:off x="299014" y="1571108"/>
-            <a:ext cx="5385731" cy="3970318"/>
+            <a:ext cx="5385731" cy="4247317"/>
           </a:xfrm>
           <a:prstGeom prst="rect">
             <a:avLst/>
@@ -15760,6 +15422,25 @@
                 <a:cs typeface="Segoe UI" panose="020B0502040204020203" pitchFamily="34" charset="0"/>
               </a:rPr>
               <a:t>Premium features</a:t>
+            </a:r>
+          </a:p>
+          <a:p>
+            <a:pPr marL="628650" lvl="1" indent="-171450">
+              <a:buFont typeface="Arial" panose="020B0604020202020204" pitchFamily="34" charset="0"/>
+              <a:buChar char="•"/>
+            </a:pPr>
+            <a:r>
+              <a:rPr lang="en-US" dirty="0">
+                <a:solidFill>
+                  <a:schemeClr val="tx1">
+                    <a:lumMod val="65000"/>
+                    <a:lumOff val="35000"/>
+                  </a:schemeClr>
+                </a:solidFill>
+                <a:latin typeface="Segoe UI" panose="020B0502040204020203" pitchFamily="34" charset="0"/>
+                <a:cs typeface="Segoe UI" panose="020B0502040204020203" pitchFamily="34" charset="0"/>
+              </a:rPr>
+              <a:t>Enhanced Compute Engine</a:t>
             </a:r>
           </a:p>
           <a:p>
@@ -15943,12 +15624,42 @@
           </a:p>
         </p:txBody>
       </p:sp>
-      <p:sp>
-        <p:nvSpPr>
-          <p:cNvPr id="6" name="Freeform: Shape 5">
-            <a:extLst>
-              <a:ext uri="{FF2B5EF4-FFF2-40B4-BE49-F238E27FC236}">
-                <a16:creationId xmlns:a16="http://schemas.microsoft.com/office/drawing/2014/main" id="{3DBEED53-C9F8-426E-B866-DF3DFA3020A9}"/>
+      <p:pic>
+        <p:nvPicPr>
+          <p:cNvPr id="10" name="Picture 9">
+            <a:extLst>
+              <a:ext uri="{FF2B5EF4-FFF2-40B4-BE49-F238E27FC236}">
+                <a16:creationId xmlns:a16="http://schemas.microsoft.com/office/drawing/2014/main" id="{6CF07292-032F-488B-9D0C-FFCCAED3CCDA}"/>
+              </a:ext>
+            </a:extLst>
+          </p:cNvPr>
+          <p:cNvPicPr>
+            <a:picLocks noChangeAspect="1"/>
+          </p:cNvPicPr>
+          <p:nvPr/>
+        </p:nvPicPr>
+        <p:blipFill>
+          <a:blip r:embed="rId2"/>
+          <a:stretch>
+            <a:fillRect/>
+          </a:stretch>
+        </p:blipFill>
+        <p:spPr>
+          <a:xfrm>
+            <a:off x="5762086" y="2798294"/>
+            <a:ext cx="6238066" cy="2805551"/>
+          </a:xfrm>
+          <a:prstGeom prst="rect">
+            <a:avLst/>
+          </a:prstGeom>
+        </p:spPr>
+      </p:pic>
+      <p:sp>
+        <p:nvSpPr>
+          <p:cNvPr id="11" name="Rectangle: Rounded Corners 10">
+            <a:extLst>
+              <a:ext uri="{FF2B5EF4-FFF2-40B4-BE49-F238E27FC236}">
+                <a16:creationId xmlns:a16="http://schemas.microsoft.com/office/drawing/2014/main" id="{B0BD0B0F-FA30-4618-8B0D-8B4B58F27843}"/>
               </a:ext>
             </a:extLst>
           </p:cNvPr>
@@ -15957,1102 +15668,143 @@
         </p:nvSpPr>
         <p:spPr>
           <a:xfrm>
-            <a:off x="6346688" y="2543196"/>
-            <a:ext cx="1891301" cy="2491530"/>
-          </a:xfrm>
-          <a:custGeom>
-            <a:avLst/>
-            <a:gdLst>
-              <a:gd name="connsiteX0" fmla="*/ 859455 w 2252028"/>
-              <a:gd name="connsiteY0" fmla="*/ 25965 h 2987279"/>
-              <a:gd name="connsiteX1" fmla="*/ 758787 w 2252028"/>
-              <a:gd name="connsiteY1" fmla="*/ 51132 h 2987279"/>
-              <a:gd name="connsiteX2" fmla="*/ 725231 w 2252028"/>
-              <a:gd name="connsiteY2" fmla="*/ 59521 h 2987279"/>
-              <a:gd name="connsiteX3" fmla="*/ 683287 w 2252028"/>
-              <a:gd name="connsiteY3" fmla="*/ 76299 h 2987279"/>
-              <a:gd name="connsiteX4" fmla="*/ 641342 w 2252028"/>
-              <a:gd name="connsiteY4" fmla="*/ 84688 h 2987279"/>
-              <a:gd name="connsiteX5" fmla="*/ 481951 w 2252028"/>
-              <a:gd name="connsiteY5" fmla="*/ 143411 h 2987279"/>
-              <a:gd name="connsiteX6" fmla="*/ 431617 w 2252028"/>
-              <a:gd name="connsiteY6" fmla="*/ 160189 h 2987279"/>
-              <a:gd name="connsiteX7" fmla="*/ 364505 w 2252028"/>
-              <a:gd name="connsiteY7" fmla="*/ 210523 h 2987279"/>
-              <a:gd name="connsiteX8" fmla="*/ 339338 w 2252028"/>
-              <a:gd name="connsiteY8" fmla="*/ 218912 h 2987279"/>
-              <a:gd name="connsiteX9" fmla="*/ 314171 w 2252028"/>
-              <a:gd name="connsiteY9" fmla="*/ 252468 h 2987279"/>
-              <a:gd name="connsiteX10" fmla="*/ 289004 w 2252028"/>
-              <a:gd name="connsiteY10" fmla="*/ 260857 h 2987279"/>
-              <a:gd name="connsiteX11" fmla="*/ 238670 w 2252028"/>
-              <a:gd name="connsiteY11" fmla="*/ 327969 h 2987279"/>
-              <a:gd name="connsiteX12" fmla="*/ 213503 w 2252028"/>
-              <a:gd name="connsiteY12" fmla="*/ 361525 h 2987279"/>
-              <a:gd name="connsiteX13" fmla="*/ 179947 w 2252028"/>
-              <a:gd name="connsiteY13" fmla="*/ 411859 h 2987279"/>
-              <a:gd name="connsiteX14" fmla="*/ 154780 w 2252028"/>
-              <a:gd name="connsiteY14" fmla="*/ 445415 h 2987279"/>
-              <a:gd name="connsiteX15" fmla="*/ 129613 w 2252028"/>
-              <a:gd name="connsiteY15" fmla="*/ 495749 h 2987279"/>
-              <a:gd name="connsiteX16" fmla="*/ 87668 w 2252028"/>
-              <a:gd name="connsiteY16" fmla="*/ 571250 h 2987279"/>
-              <a:gd name="connsiteX17" fmla="*/ 62501 w 2252028"/>
-              <a:gd name="connsiteY17" fmla="*/ 646751 h 2987279"/>
-              <a:gd name="connsiteX18" fmla="*/ 45723 w 2252028"/>
-              <a:gd name="connsiteY18" fmla="*/ 680307 h 2987279"/>
-              <a:gd name="connsiteX19" fmla="*/ 37334 w 2252028"/>
-              <a:gd name="connsiteY19" fmla="*/ 713862 h 2987279"/>
-              <a:gd name="connsiteX20" fmla="*/ 28945 w 2252028"/>
-              <a:gd name="connsiteY20" fmla="*/ 739029 h 2987279"/>
-              <a:gd name="connsiteX21" fmla="*/ 12167 w 2252028"/>
-              <a:gd name="connsiteY21" fmla="*/ 814530 h 2987279"/>
-              <a:gd name="connsiteX22" fmla="*/ 3778 w 2252028"/>
-              <a:gd name="connsiteY22" fmla="*/ 848086 h 2987279"/>
-              <a:gd name="connsiteX23" fmla="*/ 20556 w 2252028"/>
-              <a:gd name="connsiteY23" fmla="*/ 1452094 h 2987279"/>
-              <a:gd name="connsiteX24" fmla="*/ 28945 w 2252028"/>
-              <a:gd name="connsiteY24" fmla="*/ 1485650 h 2987279"/>
-              <a:gd name="connsiteX25" fmla="*/ 45723 w 2252028"/>
-              <a:gd name="connsiteY25" fmla="*/ 1552762 h 2987279"/>
-              <a:gd name="connsiteX26" fmla="*/ 70890 w 2252028"/>
-              <a:gd name="connsiteY26" fmla="*/ 1695374 h 2987279"/>
-              <a:gd name="connsiteX27" fmla="*/ 79279 w 2252028"/>
-              <a:gd name="connsiteY27" fmla="*/ 1728930 h 2987279"/>
-              <a:gd name="connsiteX28" fmla="*/ 96057 w 2252028"/>
-              <a:gd name="connsiteY28" fmla="*/ 1804431 h 2987279"/>
-              <a:gd name="connsiteX29" fmla="*/ 112835 w 2252028"/>
-              <a:gd name="connsiteY29" fmla="*/ 1896710 h 2987279"/>
-              <a:gd name="connsiteX30" fmla="*/ 146391 w 2252028"/>
-              <a:gd name="connsiteY30" fmla="*/ 1955433 h 2987279"/>
-              <a:gd name="connsiteX31" fmla="*/ 171558 w 2252028"/>
-              <a:gd name="connsiteY31" fmla="*/ 2030934 h 2987279"/>
-              <a:gd name="connsiteX32" fmla="*/ 221892 w 2252028"/>
-              <a:gd name="connsiteY32" fmla="*/ 2165158 h 2987279"/>
-              <a:gd name="connsiteX33" fmla="*/ 247059 w 2252028"/>
-              <a:gd name="connsiteY33" fmla="*/ 2232270 h 2987279"/>
-              <a:gd name="connsiteX34" fmla="*/ 255448 w 2252028"/>
-              <a:gd name="connsiteY34" fmla="*/ 2257437 h 2987279"/>
-              <a:gd name="connsiteX35" fmla="*/ 272226 w 2252028"/>
-              <a:gd name="connsiteY35" fmla="*/ 2282604 h 2987279"/>
-              <a:gd name="connsiteX36" fmla="*/ 314171 w 2252028"/>
-              <a:gd name="connsiteY36" fmla="*/ 2358105 h 2987279"/>
-              <a:gd name="connsiteX37" fmla="*/ 330949 w 2252028"/>
-              <a:gd name="connsiteY37" fmla="*/ 2383272 h 2987279"/>
-              <a:gd name="connsiteX38" fmla="*/ 339338 w 2252028"/>
-              <a:gd name="connsiteY38" fmla="*/ 2408439 h 2987279"/>
-              <a:gd name="connsiteX39" fmla="*/ 364505 w 2252028"/>
-              <a:gd name="connsiteY39" fmla="*/ 2433606 h 2987279"/>
-              <a:gd name="connsiteX40" fmla="*/ 372894 w 2252028"/>
-              <a:gd name="connsiteY40" fmla="*/ 2458773 h 2987279"/>
-              <a:gd name="connsiteX41" fmla="*/ 398061 w 2252028"/>
-              <a:gd name="connsiteY41" fmla="*/ 2483940 h 2987279"/>
-              <a:gd name="connsiteX42" fmla="*/ 423228 w 2252028"/>
-              <a:gd name="connsiteY42" fmla="*/ 2517495 h 2987279"/>
-              <a:gd name="connsiteX43" fmla="*/ 473562 w 2252028"/>
-              <a:gd name="connsiteY43" fmla="*/ 2592996 h 2987279"/>
-              <a:gd name="connsiteX44" fmla="*/ 498729 w 2252028"/>
-              <a:gd name="connsiteY44" fmla="*/ 2618163 h 2987279"/>
-              <a:gd name="connsiteX45" fmla="*/ 515507 w 2252028"/>
-              <a:gd name="connsiteY45" fmla="*/ 2643330 h 2987279"/>
-              <a:gd name="connsiteX46" fmla="*/ 549063 w 2252028"/>
-              <a:gd name="connsiteY46" fmla="*/ 2660108 h 2987279"/>
-              <a:gd name="connsiteX47" fmla="*/ 632953 w 2252028"/>
-              <a:gd name="connsiteY47" fmla="*/ 2735609 h 2987279"/>
-              <a:gd name="connsiteX48" fmla="*/ 691675 w 2252028"/>
-              <a:gd name="connsiteY48" fmla="*/ 2777554 h 2987279"/>
-              <a:gd name="connsiteX49" fmla="*/ 725231 w 2252028"/>
-              <a:gd name="connsiteY49" fmla="*/ 2802721 h 2987279"/>
-              <a:gd name="connsiteX50" fmla="*/ 750398 w 2252028"/>
-              <a:gd name="connsiteY50" fmla="*/ 2811110 h 2987279"/>
-              <a:gd name="connsiteX51" fmla="*/ 783954 w 2252028"/>
-              <a:gd name="connsiteY51" fmla="*/ 2827888 h 2987279"/>
-              <a:gd name="connsiteX52" fmla="*/ 825899 w 2252028"/>
-              <a:gd name="connsiteY52" fmla="*/ 2853055 h 2987279"/>
-              <a:gd name="connsiteX53" fmla="*/ 859455 w 2252028"/>
-              <a:gd name="connsiteY53" fmla="*/ 2878222 h 2987279"/>
-              <a:gd name="connsiteX54" fmla="*/ 893011 w 2252028"/>
-              <a:gd name="connsiteY54" fmla="*/ 2886611 h 2987279"/>
-              <a:gd name="connsiteX55" fmla="*/ 934956 w 2252028"/>
-              <a:gd name="connsiteY55" fmla="*/ 2911778 h 2987279"/>
-              <a:gd name="connsiteX56" fmla="*/ 1002068 w 2252028"/>
-              <a:gd name="connsiteY56" fmla="*/ 2936945 h 2987279"/>
-              <a:gd name="connsiteX57" fmla="*/ 1035624 w 2252028"/>
-              <a:gd name="connsiteY57" fmla="*/ 2945334 h 2987279"/>
-              <a:gd name="connsiteX58" fmla="*/ 1077569 w 2252028"/>
-              <a:gd name="connsiteY58" fmla="*/ 2962112 h 2987279"/>
-              <a:gd name="connsiteX59" fmla="*/ 1119514 w 2252028"/>
-              <a:gd name="connsiteY59" fmla="*/ 2970501 h 2987279"/>
-              <a:gd name="connsiteX60" fmla="*/ 1178237 w 2252028"/>
-              <a:gd name="connsiteY60" fmla="*/ 2987279 h 2987279"/>
-              <a:gd name="connsiteX61" fmla="*/ 1589298 w 2252028"/>
-              <a:gd name="connsiteY61" fmla="*/ 2978890 h 2987279"/>
-              <a:gd name="connsiteX62" fmla="*/ 1689965 w 2252028"/>
-              <a:gd name="connsiteY62" fmla="*/ 2945334 h 2987279"/>
-              <a:gd name="connsiteX63" fmla="*/ 1723521 w 2252028"/>
-              <a:gd name="connsiteY63" fmla="*/ 2936945 h 2987279"/>
-              <a:gd name="connsiteX64" fmla="*/ 1748688 w 2252028"/>
-              <a:gd name="connsiteY64" fmla="*/ 2928556 h 2987279"/>
-              <a:gd name="connsiteX65" fmla="*/ 1790633 w 2252028"/>
-              <a:gd name="connsiteY65" fmla="*/ 2895000 h 2987279"/>
-              <a:gd name="connsiteX66" fmla="*/ 1815800 w 2252028"/>
-              <a:gd name="connsiteY66" fmla="*/ 2869833 h 2987279"/>
-              <a:gd name="connsiteX67" fmla="*/ 1849356 w 2252028"/>
-              <a:gd name="connsiteY67" fmla="*/ 2853055 h 2987279"/>
-              <a:gd name="connsiteX68" fmla="*/ 1933246 w 2252028"/>
-              <a:gd name="connsiteY68" fmla="*/ 2777554 h 2987279"/>
-              <a:gd name="connsiteX69" fmla="*/ 1958413 w 2252028"/>
-              <a:gd name="connsiteY69" fmla="*/ 2735609 h 2987279"/>
-              <a:gd name="connsiteX70" fmla="*/ 1983580 w 2252028"/>
-              <a:gd name="connsiteY70" fmla="*/ 2727220 h 2987279"/>
-              <a:gd name="connsiteX71" fmla="*/ 2008747 w 2252028"/>
-              <a:gd name="connsiteY71" fmla="*/ 2685275 h 2987279"/>
-              <a:gd name="connsiteX72" fmla="*/ 2033914 w 2252028"/>
-              <a:gd name="connsiteY72" fmla="*/ 2651719 h 2987279"/>
-              <a:gd name="connsiteX73" fmla="*/ 2067470 w 2252028"/>
-              <a:gd name="connsiteY73" fmla="*/ 2601385 h 2987279"/>
-              <a:gd name="connsiteX74" fmla="*/ 2084248 w 2252028"/>
-              <a:gd name="connsiteY74" fmla="*/ 2576218 h 2987279"/>
-              <a:gd name="connsiteX75" fmla="*/ 2134582 w 2252028"/>
-              <a:gd name="connsiteY75" fmla="*/ 2509107 h 2987279"/>
-              <a:gd name="connsiteX76" fmla="*/ 2159749 w 2252028"/>
-              <a:gd name="connsiteY76" fmla="*/ 2450384 h 2987279"/>
-              <a:gd name="connsiteX77" fmla="*/ 2168138 w 2252028"/>
-              <a:gd name="connsiteY77" fmla="*/ 2408439 h 2987279"/>
-              <a:gd name="connsiteX78" fmla="*/ 2201694 w 2252028"/>
-              <a:gd name="connsiteY78" fmla="*/ 2299382 h 2987279"/>
-              <a:gd name="connsiteX79" fmla="*/ 2210083 w 2252028"/>
-              <a:gd name="connsiteY79" fmla="*/ 2240659 h 2987279"/>
-              <a:gd name="connsiteX80" fmla="*/ 2218472 w 2252028"/>
-              <a:gd name="connsiteY80" fmla="*/ 2215492 h 2987279"/>
-              <a:gd name="connsiteX81" fmla="*/ 2235250 w 2252028"/>
-              <a:gd name="connsiteY81" fmla="*/ 2148380 h 2987279"/>
-              <a:gd name="connsiteX82" fmla="*/ 2243639 w 2252028"/>
-              <a:gd name="connsiteY82" fmla="*/ 1980600 h 2987279"/>
-              <a:gd name="connsiteX83" fmla="*/ 2252028 w 2252028"/>
-              <a:gd name="connsiteY83" fmla="*/ 1896710 h 2987279"/>
-              <a:gd name="connsiteX84" fmla="*/ 2243639 w 2252028"/>
-              <a:gd name="connsiteY84" fmla="*/ 1317870 h 2987279"/>
-              <a:gd name="connsiteX85" fmla="*/ 2226861 w 2252028"/>
-              <a:gd name="connsiteY85" fmla="*/ 1183646 h 2987279"/>
-              <a:gd name="connsiteX86" fmla="*/ 2218472 w 2252028"/>
-              <a:gd name="connsiteY86" fmla="*/ 1099756 h 2987279"/>
-              <a:gd name="connsiteX87" fmla="*/ 2193305 w 2252028"/>
-              <a:gd name="connsiteY87" fmla="*/ 982310 h 2987279"/>
-              <a:gd name="connsiteX88" fmla="*/ 2176527 w 2252028"/>
-              <a:gd name="connsiteY88" fmla="*/ 906809 h 2987279"/>
-              <a:gd name="connsiteX89" fmla="*/ 2134582 w 2252028"/>
-              <a:gd name="connsiteY89" fmla="*/ 789363 h 2987279"/>
-              <a:gd name="connsiteX90" fmla="*/ 2075859 w 2252028"/>
-              <a:gd name="connsiteY90" fmla="*/ 671918 h 2987279"/>
-              <a:gd name="connsiteX91" fmla="*/ 2025525 w 2252028"/>
-              <a:gd name="connsiteY91" fmla="*/ 579639 h 2987279"/>
-              <a:gd name="connsiteX92" fmla="*/ 1991969 w 2252028"/>
-              <a:gd name="connsiteY92" fmla="*/ 537694 h 2987279"/>
-              <a:gd name="connsiteX93" fmla="*/ 1891301 w 2252028"/>
-              <a:gd name="connsiteY93" fmla="*/ 411859 h 2987279"/>
-              <a:gd name="connsiteX94" fmla="*/ 1790633 w 2252028"/>
-              <a:gd name="connsiteY94" fmla="*/ 311191 h 2987279"/>
-              <a:gd name="connsiteX95" fmla="*/ 1731910 w 2252028"/>
-              <a:gd name="connsiteY95" fmla="*/ 252468 h 2987279"/>
-              <a:gd name="connsiteX96" fmla="*/ 1706743 w 2252028"/>
-              <a:gd name="connsiteY96" fmla="*/ 227301 h 2987279"/>
-              <a:gd name="connsiteX97" fmla="*/ 1673187 w 2252028"/>
-              <a:gd name="connsiteY97" fmla="*/ 210523 h 2987279"/>
-              <a:gd name="connsiteX98" fmla="*/ 1639631 w 2252028"/>
-              <a:gd name="connsiteY98" fmla="*/ 176967 h 2987279"/>
-              <a:gd name="connsiteX99" fmla="*/ 1530575 w 2252028"/>
-              <a:gd name="connsiteY99" fmla="*/ 109855 h 2987279"/>
-              <a:gd name="connsiteX100" fmla="*/ 1471852 w 2252028"/>
-              <a:gd name="connsiteY100" fmla="*/ 76299 h 2987279"/>
-              <a:gd name="connsiteX101" fmla="*/ 1421518 w 2252028"/>
-              <a:gd name="connsiteY101" fmla="*/ 59521 h 2987279"/>
-              <a:gd name="connsiteX102" fmla="*/ 1379573 w 2252028"/>
-              <a:gd name="connsiteY102" fmla="*/ 42743 h 2987279"/>
-              <a:gd name="connsiteX103" fmla="*/ 1329239 w 2252028"/>
-              <a:gd name="connsiteY103" fmla="*/ 34354 h 2987279"/>
-              <a:gd name="connsiteX104" fmla="*/ 1270516 w 2252028"/>
-              <a:gd name="connsiteY104" fmla="*/ 17576 h 2987279"/>
-              <a:gd name="connsiteX105" fmla="*/ 1044013 w 2252028"/>
-              <a:gd name="connsiteY105" fmla="*/ 798 h 2987279"/>
-              <a:gd name="connsiteX106" fmla="*/ 742009 w 2252028"/>
-              <a:gd name="connsiteY106" fmla="*/ 798 h 2987279"/>
-            </a:gdLst>
-            <a:ahLst/>
-            <a:cxnLst>
-              <a:cxn ang="0">
-                <a:pos x="connsiteX0" y="connsiteY0"/>
-              </a:cxn>
-              <a:cxn ang="0">
-                <a:pos x="connsiteX1" y="connsiteY1"/>
-              </a:cxn>
-              <a:cxn ang="0">
-                <a:pos x="connsiteX2" y="connsiteY2"/>
-              </a:cxn>
-              <a:cxn ang="0">
-                <a:pos x="connsiteX3" y="connsiteY3"/>
-              </a:cxn>
-              <a:cxn ang="0">
-                <a:pos x="connsiteX4" y="connsiteY4"/>
-              </a:cxn>
-              <a:cxn ang="0">
-                <a:pos x="connsiteX5" y="connsiteY5"/>
-              </a:cxn>
-              <a:cxn ang="0">
-                <a:pos x="connsiteX6" y="connsiteY6"/>
-              </a:cxn>
-              <a:cxn ang="0">
-                <a:pos x="connsiteX7" y="connsiteY7"/>
-              </a:cxn>
-              <a:cxn ang="0">
-                <a:pos x="connsiteX8" y="connsiteY8"/>
-              </a:cxn>
-              <a:cxn ang="0">
-                <a:pos x="connsiteX9" y="connsiteY9"/>
-              </a:cxn>
-              <a:cxn ang="0">
-                <a:pos x="connsiteX10" y="connsiteY10"/>
-              </a:cxn>
-              <a:cxn ang="0">
-                <a:pos x="connsiteX11" y="connsiteY11"/>
-              </a:cxn>
-              <a:cxn ang="0">
-                <a:pos x="connsiteX12" y="connsiteY12"/>
-              </a:cxn>
-              <a:cxn ang="0">
-                <a:pos x="connsiteX13" y="connsiteY13"/>
-              </a:cxn>
-              <a:cxn ang="0">
-                <a:pos x="connsiteX14" y="connsiteY14"/>
-              </a:cxn>
-              <a:cxn ang="0">
-                <a:pos x="connsiteX15" y="connsiteY15"/>
-              </a:cxn>
-              <a:cxn ang="0">
-                <a:pos x="connsiteX16" y="connsiteY16"/>
-              </a:cxn>
-              <a:cxn ang="0">
-                <a:pos x="connsiteX17" y="connsiteY17"/>
-              </a:cxn>
-              <a:cxn ang="0">
-                <a:pos x="connsiteX18" y="connsiteY18"/>
-              </a:cxn>
-              <a:cxn ang="0">
-                <a:pos x="connsiteX19" y="connsiteY19"/>
-              </a:cxn>
-              <a:cxn ang="0">
-                <a:pos x="connsiteX20" y="connsiteY20"/>
-              </a:cxn>
-              <a:cxn ang="0">
-                <a:pos x="connsiteX21" y="connsiteY21"/>
-              </a:cxn>
-              <a:cxn ang="0">
-                <a:pos x="connsiteX22" y="connsiteY22"/>
-              </a:cxn>
-              <a:cxn ang="0">
-                <a:pos x="connsiteX23" y="connsiteY23"/>
-              </a:cxn>
-              <a:cxn ang="0">
-                <a:pos x="connsiteX24" y="connsiteY24"/>
-              </a:cxn>
-              <a:cxn ang="0">
-                <a:pos x="connsiteX25" y="connsiteY25"/>
-              </a:cxn>
-              <a:cxn ang="0">
-                <a:pos x="connsiteX26" y="connsiteY26"/>
-              </a:cxn>
-              <a:cxn ang="0">
-                <a:pos x="connsiteX27" y="connsiteY27"/>
-              </a:cxn>
-              <a:cxn ang="0">
-                <a:pos x="connsiteX28" y="connsiteY28"/>
-              </a:cxn>
-              <a:cxn ang="0">
-                <a:pos x="connsiteX29" y="connsiteY29"/>
-              </a:cxn>
-              <a:cxn ang="0">
-                <a:pos x="connsiteX30" y="connsiteY30"/>
-              </a:cxn>
-              <a:cxn ang="0">
-                <a:pos x="connsiteX31" y="connsiteY31"/>
-              </a:cxn>
-              <a:cxn ang="0">
-                <a:pos x="connsiteX32" y="connsiteY32"/>
-              </a:cxn>
-              <a:cxn ang="0">
-                <a:pos x="connsiteX33" y="connsiteY33"/>
-              </a:cxn>
-              <a:cxn ang="0">
-                <a:pos x="connsiteX34" y="connsiteY34"/>
-              </a:cxn>
-              <a:cxn ang="0">
-                <a:pos x="connsiteX35" y="connsiteY35"/>
-              </a:cxn>
-              <a:cxn ang="0">
-                <a:pos x="connsiteX36" y="connsiteY36"/>
-              </a:cxn>
-              <a:cxn ang="0">
-                <a:pos x="connsiteX37" y="connsiteY37"/>
-              </a:cxn>
-              <a:cxn ang="0">
-                <a:pos x="connsiteX38" y="connsiteY38"/>
-              </a:cxn>
-              <a:cxn ang="0">
-                <a:pos x="connsiteX39" y="connsiteY39"/>
-              </a:cxn>
-              <a:cxn ang="0">
-                <a:pos x="connsiteX40" y="connsiteY40"/>
-              </a:cxn>
-              <a:cxn ang="0">
-                <a:pos x="connsiteX41" y="connsiteY41"/>
-              </a:cxn>
-              <a:cxn ang="0">
-                <a:pos x="connsiteX42" y="connsiteY42"/>
-              </a:cxn>
-              <a:cxn ang="0">
-                <a:pos x="connsiteX43" y="connsiteY43"/>
-              </a:cxn>
-              <a:cxn ang="0">
-                <a:pos x="connsiteX44" y="connsiteY44"/>
-              </a:cxn>
-              <a:cxn ang="0">
-                <a:pos x="connsiteX45" y="connsiteY45"/>
-              </a:cxn>
-              <a:cxn ang="0">
-                <a:pos x="connsiteX46" y="connsiteY46"/>
-              </a:cxn>
-              <a:cxn ang="0">
-                <a:pos x="connsiteX47" y="connsiteY47"/>
-              </a:cxn>
-              <a:cxn ang="0">
-                <a:pos x="connsiteX48" y="connsiteY48"/>
-              </a:cxn>
-              <a:cxn ang="0">
-                <a:pos x="connsiteX49" y="connsiteY49"/>
-              </a:cxn>
-              <a:cxn ang="0">
-                <a:pos x="connsiteX50" y="connsiteY50"/>
-              </a:cxn>
-              <a:cxn ang="0">
-                <a:pos x="connsiteX51" y="connsiteY51"/>
-              </a:cxn>
-              <a:cxn ang="0">
-                <a:pos x="connsiteX52" y="connsiteY52"/>
-              </a:cxn>
-              <a:cxn ang="0">
-                <a:pos x="connsiteX53" y="connsiteY53"/>
-              </a:cxn>
-              <a:cxn ang="0">
-                <a:pos x="connsiteX54" y="connsiteY54"/>
-              </a:cxn>
-              <a:cxn ang="0">
-                <a:pos x="connsiteX55" y="connsiteY55"/>
-              </a:cxn>
-              <a:cxn ang="0">
-                <a:pos x="connsiteX56" y="connsiteY56"/>
-              </a:cxn>
-              <a:cxn ang="0">
-                <a:pos x="connsiteX57" y="connsiteY57"/>
-              </a:cxn>
-              <a:cxn ang="0">
-                <a:pos x="connsiteX58" y="connsiteY58"/>
-              </a:cxn>
-              <a:cxn ang="0">
-                <a:pos x="connsiteX59" y="connsiteY59"/>
-              </a:cxn>
-              <a:cxn ang="0">
-                <a:pos x="connsiteX60" y="connsiteY60"/>
-              </a:cxn>
-              <a:cxn ang="0">
-                <a:pos x="connsiteX61" y="connsiteY61"/>
-              </a:cxn>
-              <a:cxn ang="0">
-                <a:pos x="connsiteX62" y="connsiteY62"/>
-              </a:cxn>
-              <a:cxn ang="0">
-                <a:pos x="connsiteX63" y="connsiteY63"/>
-              </a:cxn>
-              <a:cxn ang="0">
-                <a:pos x="connsiteX64" y="connsiteY64"/>
-              </a:cxn>
-              <a:cxn ang="0">
-                <a:pos x="connsiteX65" y="connsiteY65"/>
-              </a:cxn>
-              <a:cxn ang="0">
-                <a:pos x="connsiteX66" y="connsiteY66"/>
-              </a:cxn>
-              <a:cxn ang="0">
-                <a:pos x="connsiteX67" y="connsiteY67"/>
-              </a:cxn>
-              <a:cxn ang="0">
-                <a:pos x="connsiteX68" y="connsiteY68"/>
-              </a:cxn>
-              <a:cxn ang="0">
-                <a:pos x="connsiteX69" y="connsiteY69"/>
-              </a:cxn>
-              <a:cxn ang="0">
-                <a:pos x="connsiteX70" y="connsiteY70"/>
-              </a:cxn>
-              <a:cxn ang="0">
-                <a:pos x="connsiteX71" y="connsiteY71"/>
-              </a:cxn>
-              <a:cxn ang="0">
-                <a:pos x="connsiteX72" y="connsiteY72"/>
-              </a:cxn>
-              <a:cxn ang="0">
-                <a:pos x="connsiteX73" y="connsiteY73"/>
-              </a:cxn>
-              <a:cxn ang="0">
-                <a:pos x="connsiteX74" y="connsiteY74"/>
-              </a:cxn>
-              <a:cxn ang="0">
-                <a:pos x="connsiteX75" y="connsiteY75"/>
-              </a:cxn>
-              <a:cxn ang="0">
-                <a:pos x="connsiteX76" y="connsiteY76"/>
-              </a:cxn>
-              <a:cxn ang="0">
-                <a:pos x="connsiteX77" y="connsiteY77"/>
-              </a:cxn>
-              <a:cxn ang="0">
-                <a:pos x="connsiteX78" y="connsiteY78"/>
-              </a:cxn>
-              <a:cxn ang="0">
-                <a:pos x="connsiteX79" y="connsiteY79"/>
-              </a:cxn>
-              <a:cxn ang="0">
-                <a:pos x="connsiteX80" y="connsiteY80"/>
-              </a:cxn>
-              <a:cxn ang="0">
-                <a:pos x="connsiteX81" y="connsiteY81"/>
-              </a:cxn>
-              <a:cxn ang="0">
-                <a:pos x="connsiteX82" y="connsiteY82"/>
-              </a:cxn>
-              <a:cxn ang="0">
-                <a:pos x="connsiteX83" y="connsiteY83"/>
-              </a:cxn>
-              <a:cxn ang="0">
-                <a:pos x="connsiteX84" y="connsiteY84"/>
-              </a:cxn>
-              <a:cxn ang="0">
-                <a:pos x="connsiteX85" y="connsiteY85"/>
-              </a:cxn>
-              <a:cxn ang="0">
-                <a:pos x="connsiteX86" y="connsiteY86"/>
-              </a:cxn>
-              <a:cxn ang="0">
-                <a:pos x="connsiteX87" y="connsiteY87"/>
-              </a:cxn>
-              <a:cxn ang="0">
-                <a:pos x="connsiteX88" y="connsiteY88"/>
-              </a:cxn>
-              <a:cxn ang="0">
-                <a:pos x="connsiteX89" y="connsiteY89"/>
-              </a:cxn>
-              <a:cxn ang="0">
-                <a:pos x="connsiteX90" y="connsiteY90"/>
-              </a:cxn>
-              <a:cxn ang="0">
-                <a:pos x="connsiteX91" y="connsiteY91"/>
-              </a:cxn>
-              <a:cxn ang="0">
-                <a:pos x="connsiteX92" y="connsiteY92"/>
-              </a:cxn>
-              <a:cxn ang="0">
-                <a:pos x="connsiteX93" y="connsiteY93"/>
-              </a:cxn>
-              <a:cxn ang="0">
-                <a:pos x="connsiteX94" y="connsiteY94"/>
-              </a:cxn>
-              <a:cxn ang="0">
-                <a:pos x="connsiteX95" y="connsiteY95"/>
-              </a:cxn>
-              <a:cxn ang="0">
-                <a:pos x="connsiteX96" y="connsiteY96"/>
-              </a:cxn>
-              <a:cxn ang="0">
-                <a:pos x="connsiteX97" y="connsiteY97"/>
-              </a:cxn>
-              <a:cxn ang="0">
-                <a:pos x="connsiteX98" y="connsiteY98"/>
-              </a:cxn>
-              <a:cxn ang="0">
-                <a:pos x="connsiteX99" y="connsiteY99"/>
-              </a:cxn>
-              <a:cxn ang="0">
-                <a:pos x="connsiteX100" y="connsiteY100"/>
-              </a:cxn>
-              <a:cxn ang="0">
-                <a:pos x="connsiteX101" y="connsiteY101"/>
-              </a:cxn>
-              <a:cxn ang="0">
-                <a:pos x="connsiteX102" y="connsiteY102"/>
-              </a:cxn>
-              <a:cxn ang="0">
-                <a:pos x="connsiteX103" y="connsiteY103"/>
-              </a:cxn>
-              <a:cxn ang="0">
-                <a:pos x="connsiteX104" y="connsiteY104"/>
-              </a:cxn>
-              <a:cxn ang="0">
-                <a:pos x="connsiteX105" y="connsiteY105"/>
-              </a:cxn>
-              <a:cxn ang="0">
-                <a:pos x="connsiteX106" y="connsiteY106"/>
-              </a:cxn>
-            </a:cxnLst>
-            <a:rect l="l" t="t" r="r" b="b"/>
-            <a:pathLst>
-              <a:path w="2252028" h="2987279">
-                <a:moveTo>
-                  <a:pt x="859455" y="25965"/>
-                </a:moveTo>
-                <a:cubicBezTo>
-                  <a:pt x="788488" y="40158"/>
-                  <a:pt x="844154" y="27850"/>
-                  <a:pt x="758787" y="51132"/>
-                </a:cubicBezTo>
-                <a:cubicBezTo>
-                  <a:pt x="747664" y="54166"/>
-                  <a:pt x="736169" y="55875"/>
-                  <a:pt x="725231" y="59521"/>
-                </a:cubicBezTo>
-                <a:cubicBezTo>
-                  <a:pt x="710945" y="64283"/>
-                  <a:pt x="697710" y="71972"/>
-                  <a:pt x="683287" y="76299"/>
-                </a:cubicBezTo>
-                <a:cubicBezTo>
-                  <a:pt x="669630" y="80396"/>
-                  <a:pt x="655098" y="80936"/>
-                  <a:pt x="641342" y="84688"/>
-                </a:cubicBezTo>
-                <a:cubicBezTo>
-                  <a:pt x="593098" y="97845"/>
-                  <a:pt x="521539" y="130215"/>
-                  <a:pt x="481951" y="143411"/>
-                </a:cubicBezTo>
-                <a:cubicBezTo>
-                  <a:pt x="465173" y="149004"/>
-                  <a:pt x="447717" y="152871"/>
-                  <a:pt x="431617" y="160189"/>
-                </a:cubicBezTo>
-                <a:cubicBezTo>
-                  <a:pt x="335983" y="203659"/>
-                  <a:pt x="432864" y="164950"/>
-                  <a:pt x="364505" y="210523"/>
-                </a:cubicBezTo>
-                <a:cubicBezTo>
-                  <a:pt x="357147" y="215428"/>
-                  <a:pt x="347727" y="216116"/>
-                  <a:pt x="339338" y="218912"/>
-                </a:cubicBezTo>
-                <a:cubicBezTo>
-                  <a:pt x="330949" y="230097"/>
-                  <a:pt x="324912" y="243517"/>
-                  <a:pt x="314171" y="252468"/>
-                </a:cubicBezTo>
-                <a:cubicBezTo>
-                  <a:pt x="307378" y="258129"/>
-                  <a:pt x="295257" y="254604"/>
-                  <a:pt x="289004" y="260857"/>
-                </a:cubicBezTo>
-                <a:cubicBezTo>
-                  <a:pt x="269231" y="280630"/>
-                  <a:pt x="255448" y="305598"/>
-                  <a:pt x="238670" y="327969"/>
-                </a:cubicBezTo>
-                <a:cubicBezTo>
-                  <a:pt x="230281" y="339154"/>
-                  <a:pt x="221259" y="349892"/>
-                  <a:pt x="213503" y="361525"/>
-                </a:cubicBezTo>
-                <a:cubicBezTo>
-                  <a:pt x="202318" y="378303"/>
-                  <a:pt x="192046" y="395727"/>
-                  <a:pt x="179947" y="411859"/>
-                </a:cubicBezTo>
-                <a:cubicBezTo>
-                  <a:pt x="171558" y="423044"/>
-                  <a:pt x="161974" y="433426"/>
-                  <a:pt x="154780" y="445415"/>
-                </a:cubicBezTo>
-                <a:cubicBezTo>
-                  <a:pt x="145129" y="461500"/>
-                  <a:pt x="138723" y="479351"/>
-                  <a:pt x="129613" y="495749"/>
-                </a:cubicBezTo>
-                <a:cubicBezTo>
-                  <a:pt x="90017" y="567021"/>
-                  <a:pt x="140437" y="455158"/>
-                  <a:pt x="87668" y="571250"/>
-                </a:cubicBezTo>
-                <a:cubicBezTo>
-                  <a:pt x="35212" y="686653"/>
-                  <a:pt x="98580" y="550540"/>
-                  <a:pt x="62501" y="646751"/>
-                </a:cubicBezTo>
-                <a:cubicBezTo>
-                  <a:pt x="58110" y="658460"/>
-                  <a:pt x="50114" y="668598"/>
-                  <a:pt x="45723" y="680307"/>
-                </a:cubicBezTo>
-                <a:cubicBezTo>
-                  <a:pt x="41675" y="691102"/>
-                  <a:pt x="40501" y="702776"/>
-                  <a:pt x="37334" y="713862"/>
-                </a:cubicBezTo>
-                <a:cubicBezTo>
-                  <a:pt x="34905" y="722365"/>
-                  <a:pt x="31374" y="730526"/>
-                  <a:pt x="28945" y="739029"/>
-                </a:cubicBezTo>
-                <a:cubicBezTo>
-                  <a:pt x="18716" y="774832"/>
-                  <a:pt x="20817" y="775607"/>
-                  <a:pt x="12167" y="814530"/>
-                </a:cubicBezTo>
-                <a:cubicBezTo>
-                  <a:pt x="9666" y="825785"/>
-                  <a:pt x="6574" y="836901"/>
-                  <a:pt x="3778" y="848086"/>
-                </a:cubicBezTo>
-                <a:cubicBezTo>
-                  <a:pt x="4569" y="899472"/>
-                  <a:pt x="-12681" y="1269288"/>
-                  <a:pt x="20556" y="1452094"/>
-                </a:cubicBezTo>
-                <a:cubicBezTo>
-                  <a:pt x="22618" y="1463438"/>
-                  <a:pt x="26444" y="1474395"/>
-                  <a:pt x="28945" y="1485650"/>
-                </a:cubicBezTo>
-                <a:cubicBezTo>
-                  <a:pt x="42443" y="1546389"/>
-                  <a:pt x="30732" y="1507790"/>
-                  <a:pt x="45723" y="1552762"/>
-                </a:cubicBezTo>
-                <a:cubicBezTo>
-                  <a:pt x="56099" y="1625392"/>
-                  <a:pt x="53185" y="1612752"/>
-                  <a:pt x="70890" y="1695374"/>
-                </a:cubicBezTo>
-                <a:cubicBezTo>
-                  <a:pt x="73306" y="1706648"/>
-                  <a:pt x="76686" y="1717696"/>
-                  <a:pt x="79279" y="1728930"/>
-                </a:cubicBezTo>
-                <a:cubicBezTo>
-                  <a:pt x="85076" y="1754051"/>
-                  <a:pt x="91001" y="1779151"/>
-                  <a:pt x="96057" y="1804431"/>
-                </a:cubicBezTo>
-                <a:cubicBezTo>
-                  <a:pt x="102188" y="1835088"/>
-                  <a:pt x="104779" y="1866502"/>
-                  <a:pt x="112835" y="1896710"/>
-                </a:cubicBezTo>
-                <a:cubicBezTo>
-                  <a:pt x="117565" y="1914449"/>
-                  <a:pt x="136024" y="1939883"/>
-                  <a:pt x="146391" y="1955433"/>
-                </a:cubicBezTo>
-                <a:cubicBezTo>
-                  <a:pt x="162513" y="2036041"/>
-                  <a:pt x="143772" y="1961470"/>
-                  <a:pt x="171558" y="2030934"/>
-                </a:cubicBezTo>
-                <a:cubicBezTo>
-                  <a:pt x="189304" y="2075300"/>
-                  <a:pt x="206781" y="2119826"/>
-                  <a:pt x="221892" y="2165158"/>
-                </a:cubicBezTo>
-                <a:cubicBezTo>
-                  <a:pt x="240933" y="2222282"/>
-                  <a:pt x="216966" y="2152021"/>
-                  <a:pt x="247059" y="2232270"/>
-                </a:cubicBezTo>
-                <a:cubicBezTo>
-                  <a:pt x="250164" y="2240550"/>
-                  <a:pt x="251493" y="2249528"/>
-                  <a:pt x="255448" y="2257437"/>
-                </a:cubicBezTo>
-                <a:cubicBezTo>
-                  <a:pt x="259957" y="2266455"/>
-                  <a:pt x="267146" y="2273895"/>
-                  <a:pt x="272226" y="2282604"/>
-                </a:cubicBezTo>
-                <a:cubicBezTo>
-                  <a:pt x="286732" y="2307472"/>
-                  <a:pt x="299665" y="2333237"/>
-                  <a:pt x="314171" y="2358105"/>
-                </a:cubicBezTo>
-                <a:cubicBezTo>
-                  <a:pt x="319251" y="2366814"/>
-                  <a:pt x="326440" y="2374254"/>
-                  <a:pt x="330949" y="2383272"/>
-                </a:cubicBezTo>
-                <a:cubicBezTo>
-                  <a:pt x="334904" y="2391181"/>
-                  <a:pt x="334433" y="2401081"/>
-                  <a:pt x="339338" y="2408439"/>
-                </a:cubicBezTo>
-                <a:cubicBezTo>
-                  <a:pt x="345919" y="2418310"/>
-                  <a:pt x="356116" y="2425217"/>
-                  <a:pt x="364505" y="2433606"/>
-                </a:cubicBezTo>
-                <a:cubicBezTo>
-                  <a:pt x="367301" y="2441995"/>
-                  <a:pt x="367989" y="2451415"/>
-                  <a:pt x="372894" y="2458773"/>
-                </a:cubicBezTo>
-                <a:cubicBezTo>
-                  <a:pt x="379475" y="2468644"/>
-                  <a:pt x="390340" y="2474932"/>
-                  <a:pt x="398061" y="2483940"/>
-                </a:cubicBezTo>
-                <a:cubicBezTo>
-                  <a:pt x="407160" y="2494555"/>
-                  <a:pt x="415270" y="2506000"/>
-                  <a:pt x="423228" y="2517495"/>
-                </a:cubicBezTo>
-                <a:cubicBezTo>
-                  <a:pt x="440445" y="2542364"/>
-                  <a:pt x="455414" y="2568798"/>
-                  <a:pt x="473562" y="2592996"/>
-                </a:cubicBezTo>
-                <a:cubicBezTo>
-                  <a:pt x="480680" y="2602487"/>
-                  <a:pt x="491134" y="2609049"/>
-                  <a:pt x="498729" y="2618163"/>
-                </a:cubicBezTo>
-                <a:cubicBezTo>
-                  <a:pt x="505184" y="2625908"/>
-                  <a:pt x="507762" y="2636875"/>
-                  <a:pt x="515507" y="2643330"/>
-                </a:cubicBezTo>
-                <a:cubicBezTo>
-                  <a:pt x="525114" y="2651336"/>
-                  <a:pt x="537878" y="2654515"/>
-                  <a:pt x="549063" y="2660108"/>
-                </a:cubicBezTo>
-                <a:cubicBezTo>
-                  <a:pt x="594905" y="2728871"/>
-                  <a:pt x="520186" y="2622842"/>
-                  <a:pt x="632953" y="2735609"/>
-                </a:cubicBezTo>
-                <a:cubicBezTo>
-                  <a:pt x="680929" y="2783585"/>
-                  <a:pt x="632787" y="2740748"/>
-                  <a:pt x="691675" y="2777554"/>
-                </a:cubicBezTo>
-                <a:cubicBezTo>
-                  <a:pt x="703531" y="2784964"/>
-                  <a:pt x="713092" y="2795784"/>
-                  <a:pt x="725231" y="2802721"/>
-                </a:cubicBezTo>
-                <a:cubicBezTo>
-                  <a:pt x="732909" y="2807108"/>
-                  <a:pt x="742270" y="2807627"/>
-                  <a:pt x="750398" y="2811110"/>
-                </a:cubicBezTo>
-                <a:cubicBezTo>
-                  <a:pt x="761892" y="2816036"/>
-                  <a:pt x="773022" y="2821815"/>
-                  <a:pt x="783954" y="2827888"/>
-                </a:cubicBezTo>
-                <a:cubicBezTo>
-                  <a:pt x="798207" y="2835807"/>
-                  <a:pt x="812332" y="2844010"/>
-                  <a:pt x="825899" y="2853055"/>
-                </a:cubicBezTo>
-                <a:cubicBezTo>
-                  <a:pt x="837532" y="2860811"/>
-                  <a:pt x="846949" y="2871969"/>
-                  <a:pt x="859455" y="2878222"/>
-                </a:cubicBezTo>
-                <a:cubicBezTo>
-                  <a:pt x="869767" y="2883378"/>
-                  <a:pt x="881826" y="2883815"/>
-                  <a:pt x="893011" y="2886611"/>
-                </a:cubicBezTo>
-                <a:cubicBezTo>
-                  <a:pt x="906993" y="2895000"/>
-                  <a:pt x="920372" y="2904486"/>
-                  <a:pt x="934956" y="2911778"/>
-                </a:cubicBezTo>
-                <a:cubicBezTo>
-                  <a:pt x="946775" y="2917688"/>
-                  <a:pt x="985127" y="2932105"/>
-                  <a:pt x="1002068" y="2936945"/>
-                </a:cubicBezTo>
-                <a:cubicBezTo>
-                  <a:pt x="1013154" y="2940112"/>
-                  <a:pt x="1024686" y="2941688"/>
-                  <a:pt x="1035624" y="2945334"/>
-                </a:cubicBezTo>
-                <a:cubicBezTo>
-                  <a:pt x="1049910" y="2950096"/>
-                  <a:pt x="1063145" y="2957785"/>
-                  <a:pt x="1077569" y="2962112"/>
-                </a:cubicBezTo>
-                <a:cubicBezTo>
-                  <a:pt x="1091226" y="2966209"/>
-                  <a:pt x="1105595" y="2967408"/>
-                  <a:pt x="1119514" y="2970501"/>
-                </a:cubicBezTo>
-                <a:cubicBezTo>
-                  <a:pt x="1151115" y="2977523"/>
-                  <a:pt x="1150211" y="2977937"/>
-                  <a:pt x="1178237" y="2987279"/>
-                </a:cubicBezTo>
-                <a:cubicBezTo>
-                  <a:pt x="1315257" y="2984483"/>
-                  <a:pt x="1452439" y="2986093"/>
-                  <a:pt x="1589298" y="2978890"/>
-                </a:cubicBezTo>
-                <a:cubicBezTo>
-                  <a:pt x="1658762" y="2975234"/>
-                  <a:pt x="1641088" y="2963663"/>
-                  <a:pt x="1689965" y="2945334"/>
-                </a:cubicBezTo>
-                <a:cubicBezTo>
-                  <a:pt x="1700760" y="2941286"/>
-                  <a:pt x="1712435" y="2940112"/>
-                  <a:pt x="1723521" y="2936945"/>
-                </a:cubicBezTo>
-                <a:cubicBezTo>
-                  <a:pt x="1732024" y="2934516"/>
-                  <a:pt x="1740299" y="2931352"/>
-                  <a:pt x="1748688" y="2928556"/>
-                </a:cubicBezTo>
-                <a:cubicBezTo>
-                  <a:pt x="1762670" y="2917371"/>
-                  <a:pt x="1777158" y="2906791"/>
-                  <a:pt x="1790633" y="2895000"/>
-                </a:cubicBezTo>
-                <a:cubicBezTo>
-                  <a:pt x="1799561" y="2887188"/>
-                  <a:pt x="1806146" y="2876729"/>
-                  <a:pt x="1815800" y="2869833"/>
-                </a:cubicBezTo>
-                <a:cubicBezTo>
-                  <a:pt x="1825976" y="2862564"/>
-                  <a:pt x="1839677" y="2860974"/>
-                  <a:pt x="1849356" y="2853055"/>
-                </a:cubicBezTo>
-                <a:cubicBezTo>
-                  <a:pt x="1994231" y="2734521"/>
-                  <a:pt x="1856265" y="2828875"/>
-                  <a:pt x="1933246" y="2777554"/>
-                </a:cubicBezTo>
-                <a:cubicBezTo>
-                  <a:pt x="1941635" y="2763572"/>
-                  <a:pt x="1946883" y="2747139"/>
-                  <a:pt x="1958413" y="2735609"/>
-                </a:cubicBezTo>
-                <a:cubicBezTo>
-                  <a:pt x="1964666" y="2729356"/>
-                  <a:pt x="1977327" y="2733473"/>
-                  <a:pt x="1983580" y="2727220"/>
-                </a:cubicBezTo>
-                <a:cubicBezTo>
-                  <a:pt x="1995110" y="2715690"/>
-                  <a:pt x="1999702" y="2698842"/>
-                  <a:pt x="2008747" y="2685275"/>
-                </a:cubicBezTo>
-                <a:cubicBezTo>
-                  <a:pt x="2016503" y="2673642"/>
-                  <a:pt x="2025896" y="2663173"/>
-                  <a:pt x="2033914" y="2651719"/>
-                </a:cubicBezTo>
-                <a:cubicBezTo>
-                  <a:pt x="2045478" y="2635199"/>
-                  <a:pt x="2056285" y="2618163"/>
-                  <a:pt x="2067470" y="2601385"/>
-                </a:cubicBezTo>
-                <a:cubicBezTo>
-                  <a:pt x="2073063" y="2592996"/>
-                  <a:pt x="2078199" y="2584284"/>
-                  <a:pt x="2084248" y="2576218"/>
-                </a:cubicBezTo>
-                <a:cubicBezTo>
-                  <a:pt x="2101026" y="2553848"/>
-                  <a:pt x="2123567" y="2534809"/>
-                  <a:pt x="2134582" y="2509107"/>
-                </a:cubicBezTo>
-                <a:lnTo>
-                  <a:pt x="2159749" y="2450384"/>
-                </a:lnTo>
-                <a:cubicBezTo>
-                  <a:pt x="2162545" y="2436402"/>
-                  <a:pt x="2164386" y="2422195"/>
-                  <a:pt x="2168138" y="2408439"/>
-                </a:cubicBezTo>
-                <a:cubicBezTo>
-                  <a:pt x="2184901" y="2346974"/>
-                  <a:pt x="2187485" y="2365692"/>
-                  <a:pt x="2201694" y="2299382"/>
-                </a:cubicBezTo>
-                <a:cubicBezTo>
-                  <a:pt x="2205837" y="2280048"/>
-                  <a:pt x="2206205" y="2260048"/>
-                  <a:pt x="2210083" y="2240659"/>
-                </a:cubicBezTo>
-                <a:cubicBezTo>
-                  <a:pt x="2211817" y="2231988"/>
-                  <a:pt x="2216145" y="2224023"/>
-                  <a:pt x="2218472" y="2215492"/>
-                </a:cubicBezTo>
-                <a:cubicBezTo>
-                  <a:pt x="2224539" y="2193245"/>
-                  <a:pt x="2229657" y="2170751"/>
-                  <a:pt x="2235250" y="2148380"/>
-                </a:cubicBezTo>
-                <a:cubicBezTo>
-                  <a:pt x="2238046" y="2092453"/>
-                  <a:pt x="2239914" y="2036473"/>
-                  <a:pt x="2243639" y="1980600"/>
-                </a:cubicBezTo>
-                <a:cubicBezTo>
-                  <a:pt x="2245508" y="1952559"/>
-                  <a:pt x="2252028" y="1924813"/>
-                  <a:pt x="2252028" y="1896710"/>
-                </a:cubicBezTo>
-                <a:cubicBezTo>
-                  <a:pt x="2252028" y="1703743"/>
-                  <a:pt x="2248462" y="1510777"/>
-                  <a:pt x="2243639" y="1317870"/>
-                </a:cubicBezTo>
-                <a:cubicBezTo>
-                  <a:pt x="2240189" y="1179885"/>
-                  <a:pt x="2238431" y="1270422"/>
-                  <a:pt x="2226861" y="1183646"/>
-                </a:cubicBezTo>
-                <a:cubicBezTo>
-                  <a:pt x="2223147" y="1155790"/>
-                  <a:pt x="2222641" y="1127548"/>
-                  <a:pt x="2218472" y="1099756"/>
-                </a:cubicBezTo>
-                <a:cubicBezTo>
-                  <a:pt x="2207624" y="1027437"/>
-                  <a:pt x="2205299" y="1034282"/>
-                  <a:pt x="2193305" y="982310"/>
-                </a:cubicBezTo>
-                <a:cubicBezTo>
-                  <a:pt x="2187508" y="957189"/>
-                  <a:pt x="2183088" y="931741"/>
-                  <a:pt x="2176527" y="906809"/>
-                </a:cubicBezTo>
-                <a:cubicBezTo>
-                  <a:pt x="2131303" y="734957"/>
-                  <a:pt x="2171468" y="881579"/>
-                  <a:pt x="2134582" y="789363"/>
-                </a:cubicBezTo>
-                <a:cubicBezTo>
-                  <a:pt x="2090703" y="679667"/>
-                  <a:pt x="2126442" y="722499"/>
-                  <a:pt x="2075859" y="671918"/>
-                </a:cubicBezTo>
-                <a:cubicBezTo>
-                  <a:pt x="2060090" y="640380"/>
-                  <a:pt x="2045836" y="608654"/>
-                  <a:pt x="2025525" y="579639"/>
-                </a:cubicBezTo>
-                <a:cubicBezTo>
-                  <a:pt x="2015257" y="564970"/>
-                  <a:pt x="2002500" y="552175"/>
-                  <a:pt x="1991969" y="537694"/>
-                </a:cubicBezTo>
-                <a:cubicBezTo>
-                  <a:pt x="1930771" y="453547"/>
-                  <a:pt x="1986778" y="512110"/>
-                  <a:pt x="1891301" y="411859"/>
-                </a:cubicBezTo>
-                <a:cubicBezTo>
-                  <a:pt x="1858573" y="377495"/>
-                  <a:pt x="1816956" y="350676"/>
-                  <a:pt x="1790633" y="311191"/>
-                </a:cubicBezTo>
-                <a:cubicBezTo>
-                  <a:pt x="1760557" y="266077"/>
-                  <a:pt x="1787706" y="301290"/>
-                  <a:pt x="1731910" y="252468"/>
-                </a:cubicBezTo>
-                <a:cubicBezTo>
-                  <a:pt x="1722982" y="244656"/>
-                  <a:pt x="1716397" y="234197"/>
-                  <a:pt x="1706743" y="227301"/>
-                </a:cubicBezTo>
-                <a:cubicBezTo>
-                  <a:pt x="1696567" y="220032"/>
-                  <a:pt x="1683191" y="218026"/>
-                  <a:pt x="1673187" y="210523"/>
-                </a:cubicBezTo>
-                <a:cubicBezTo>
-                  <a:pt x="1660532" y="201032"/>
-                  <a:pt x="1652554" y="186089"/>
-                  <a:pt x="1639631" y="176967"/>
-                </a:cubicBezTo>
-                <a:cubicBezTo>
-                  <a:pt x="1604760" y="152352"/>
-                  <a:pt x="1567176" y="131816"/>
-                  <a:pt x="1530575" y="109855"/>
-                </a:cubicBezTo>
-                <a:cubicBezTo>
-                  <a:pt x="1511243" y="98256"/>
-                  <a:pt x="1493240" y="83428"/>
-                  <a:pt x="1471852" y="76299"/>
-                </a:cubicBezTo>
-                <a:cubicBezTo>
-                  <a:pt x="1455074" y="70706"/>
-                  <a:pt x="1438139" y="65565"/>
-                  <a:pt x="1421518" y="59521"/>
-                </a:cubicBezTo>
-                <a:cubicBezTo>
-                  <a:pt x="1407366" y="54375"/>
-                  <a:pt x="1394101" y="46705"/>
-                  <a:pt x="1379573" y="42743"/>
-                </a:cubicBezTo>
-                <a:cubicBezTo>
-                  <a:pt x="1363163" y="38268"/>
-                  <a:pt x="1345813" y="38179"/>
-                  <a:pt x="1329239" y="34354"/>
-                </a:cubicBezTo>
-                <a:cubicBezTo>
-                  <a:pt x="1309403" y="29776"/>
-                  <a:pt x="1290422" y="21842"/>
-                  <a:pt x="1270516" y="17576"/>
-                </a:cubicBezTo>
-                <a:cubicBezTo>
-                  <a:pt x="1208707" y="4331"/>
-                  <a:pt x="1083296" y="1499"/>
-                  <a:pt x="1044013" y="798"/>
-                </a:cubicBezTo>
-                <a:cubicBezTo>
-                  <a:pt x="943361" y="-999"/>
-                  <a:pt x="842677" y="798"/>
-                  <a:pt x="742009" y="798"/>
-                </a:cubicBezTo>
-              </a:path>
-            </a:pathLst>
-          </a:custGeom>
-          <a:ln w="38100"/>
+            <a:off x="7046751" y="2798295"/>
+            <a:ext cx="1350629" cy="926418"/>
+          </a:xfrm>
+          <a:prstGeom prst="roundRect">
+            <a:avLst/>
+          </a:prstGeom>
+          <a:noFill/>
+          <a:ln w="38100">
+            <a:solidFill>
+              <a:schemeClr val="accent6"/>
+            </a:solidFill>
+          </a:ln>
         </p:spPr>
         <p:style>
-          <a:lnRef idx="1">
-            <a:schemeClr val="accent6"/>
+          <a:lnRef idx="2">
+            <a:schemeClr val="accent1">
+              <a:shade val="50000"/>
+            </a:schemeClr>
           </a:lnRef>
-          <a:fillRef idx="0">
-            <a:schemeClr val="accent6"/>
+          <a:fillRef idx="1">
+            <a:schemeClr val="accent1"/>
           </a:fillRef>
           <a:effectRef idx="0">
-            <a:schemeClr val="accent6"/>
+            <a:schemeClr val="accent1"/>
           </a:effectRef>
           <a:fontRef idx="minor">
-            <a:schemeClr val="tx1"/>
+            <a:schemeClr val="lt1"/>
+          </a:fontRef>
+        </p:style>
+        <p:txBody>
+          <a:bodyPr rtlCol="0" anchor="ctr"/>
+          <a:lstStyle/>
+          <a:p>
+            <a:pPr algn="ctr"/>
+            <a:endParaRPr lang="en-IE"/>
+          </a:p>
+        </p:txBody>
+      </p:sp>
+      <p:sp>
+        <p:nvSpPr>
+          <p:cNvPr id="12" name="Rectangle: Rounded Corners 11">
+            <a:extLst>
+              <a:ext uri="{FF2B5EF4-FFF2-40B4-BE49-F238E27FC236}">
+                <a16:creationId xmlns:a16="http://schemas.microsoft.com/office/drawing/2014/main" id="{DC089EC8-2986-40A5-A7D3-7FFB52D0BBF5}"/>
+              </a:ext>
+            </a:extLst>
+          </p:cNvPr>
+          <p:cNvSpPr/>
+          <p:nvPr/>
+        </p:nvSpPr>
+        <p:spPr>
+          <a:xfrm>
+            <a:off x="8590999" y="2798295"/>
+            <a:ext cx="720781" cy="926418"/>
+          </a:xfrm>
+          <a:prstGeom prst="roundRect">
+            <a:avLst/>
+          </a:prstGeom>
+          <a:noFill/>
+          <a:ln w="38100">
+            <a:solidFill>
+              <a:schemeClr val="accent6">
+                <a:lumMod val="20000"/>
+                <a:lumOff val="80000"/>
+              </a:schemeClr>
+            </a:solidFill>
+          </a:ln>
+        </p:spPr>
+        <p:style>
+          <a:lnRef idx="2">
+            <a:schemeClr val="accent1">
+              <a:shade val="50000"/>
+            </a:schemeClr>
+          </a:lnRef>
+          <a:fillRef idx="1">
+            <a:schemeClr val="accent1"/>
+          </a:fillRef>
+          <a:effectRef idx="0">
+            <a:schemeClr val="accent1"/>
+          </a:effectRef>
+          <a:fontRef idx="minor">
+            <a:schemeClr val="lt1"/>
+          </a:fontRef>
+        </p:style>
+        <p:txBody>
+          <a:bodyPr rtlCol="0" anchor="ctr"/>
+          <a:lstStyle/>
+          <a:p>
+            <a:pPr algn="ctr"/>
+            <a:endParaRPr lang="en-IE"/>
+          </a:p>
+        </p:txBody>
+      </p:sp>
+      <p:sp>
+        <p:nvSpPr>
+          <p:cNvPr id="13" name="Rectangle: Rounded Corners 12">
+            <a:extLst>
+              <a:ext uri="{FF2B5EF4-FFF2-40B4-BE49-F238E27FC236}">
+                <a16:creationId xmlns:a16="http://schemas.microsoft.com/office/drawing/2014/main" id="{32BA8EC9-1D74-4BC1-88B2-035B1973BB81}"/>
+              </a:ext>
+            </a:extLst>
+          </p:cNvPr>
+          <p:cNvSpPr/>
+          <p:nvPr/>
+        </p:nvSpPr>
+        <p:spPr>
+          <a:xfrm>
+            <a:off x="9472811" y="2798295"/>
+            <a:ext cx="720781" cy="926418"/>
+          </a:xfrm>
+          <a:prstGeom prst="roundRect">
+            <a:avLst/>
+          </a:prstGeom>
+          <a:noFill/>
+          <a:ln w="38100">
+            <a:solidFill>
+              <a:schemeClr val="accent6">
+                <a:lumMod val="20000"/>
+                <a:lumOff val="80000"/>
+              </a:schemeClr>
+            </a:solidFill>
+          </a:ln>
+        </p:spPr>
+        <p:style>
+          <a:lnRef idx="2">
+            <a:schemeClr val="accent1">
+              <a:shade val="50000"/>
+            </a:schemeClr>
+          </a:lnRef>
+          <a:fillRef idx="1">
+            <a:schemeClr val="accent1"/>
+          </a:fillRef>
+          <a:effectRef idx="0">
+            <a:schemeClr val="accent1"/>
+          </a:effectRef>
+          <a:fontRef idx="minor">
+            <a:schemeClr val="lt1"/>
           </a:fontRef>
         </p:style>
         <p:txBody>
@@ -17104,7 +15856,12 @@
             <p:ph type="title"/>
           </p:nvPr>
         </p:nvSpPr>
-        <p:spPr/>
+        <p:spPr>
+          <a:xfrm>
+            <a:off x="109451" y="24727"/>
+            <a:ext cx="10210801" cy="494603"/>
+          </a:xfrm>
+        </p:spPr>
         <p:txBody>
           <a:bodyPr/>
           <a:lstStyle/>
@@ -17494,57 +16251,6 @@
           </a:p>
         </p:txBody>
       </p:sp>
-      <p:sp>
-        <p:nvSpPr>
-          <p:cNvPr id="13" name="Cube 12">
-            <a:extLst>
-              <a:ext uri="{FF2B5EF4-FFF2-40B4-BE49-F238E27FC236}">
-                <a16:creationId xmlns:a16="http://schemas.microsoft.com/office/drawing/2014/main" id="{79F98672-04F2-41AA-8F64-3A6FE083FDFA}"/>
-              </a:ext>
-            </a:extLst>
-          </p:cNvPr>
-          <p:cNvSpPr/>
-          <p:nvPr/>
-        </p:nvSpPr>
-        <p:spPr>
-          <a:xfrm>
-            <a:off x="7079819" y="3059935"/>
-            <a:ext cx="316673" cy="334611"/>
-          </a:xfrm>
-          <a:prstGeom prst="cube">
-            <a:avLst>
-              <a:gd name="adj" fmla="val 14691"/>
-            </a:avLst>
-          </a:prstGeom>
-          <a:ln>
-            <a:solidFill>
-              <a:schemeClr val="accent5"/>
-            </a:solidFill>
-          </a:ln>
-        </p:spPr>
-        <p:style>
-          <a:lnRef idx="2">
-            <a:schemeClr val="accent4"/>
-          </a:lnRef>
-          <a:fillRef idx="1">
-            <a:schemeClr val="lt1"/>
-          </a:fillRef>
-          <a:effectRef idx="0">
-            <a:schemeClr val="accent4"/>
-          </a:effectRef>
-          <a:fontRef idx="minor">
-            <a:schemeClr val="dk1"/>
-          </a:fontRef>
-        </p:style>
-        <p:txBody>
-          <a:bodyPr rtlCol="0" anchor="ctr"/>
-          <a:lstStyle/>
-          <a:p>
-            <a:pPr algn="ctr"/>
-            <a:endParaRPr lang="en-IE"/>
-          </a:p>
-        </p:txBody>
-      </p:sp>
       <p:pic>
         <p:nvPicPr>
           <p:cNvPr id="14" name="Graphic 13" descr="Bar graph with upward trend">
@@ -17674,84 +16380,6 @@
           </a:p>
         </p:txBody>
       </p:sp>
-      <p:pic>
-        <p:nvPicPr>
-          <p:cNvPr id="17" name="Graphic 16" descr="Table">
-            <a:extLst>
-              <a:ext uri="{FF2B5EF4-FFF2-40B4-BE49-F238E27FC236}">
-                <a16:creationId xmlns:a16="http://schemas.microsoft.com/office/drawing/2014/main" id="{AAA6A147-026D-45E7-8D66-3CE88EAA2637}"/>
-              </a:ext>
-            </a:extLst>
-          </p:cNvPr>
-          <p:cNvPicPr>
-            <a:picLocks noChangeAspect="1"/>
-          </p:cNvPicPr>
-          <p:nvPr/>
-        </p:nvPicPr>
-        <p:blipFill>
-          <a:blip r:embed="rId5">
-            <a:extLst>
-              <a:ext uri="{28A0092B-C50C-407E-A947-70E740481C1C}">
-                <a14:useLocalDpi xmlns:a14="http://schemas.microsoft.com/office/drawing/2010/main" val="0"/>
-              </a:ext>
-              <a:ext uri="{96DAC541-7B7A-43D3-8B79-37D633B846F1}">
-                <asvg:svgBlip xmlns:asvg="http://schemas.microsoft.com/office/drawing/2016/SVG/main" r:embed="rId6"/>
-              </a:ext>
-            </a:extLst>
-          </a:blip>
-          <a:stretch>
-            <a:fillRect/>
-          </a:stretch>
-        </p:blipFill>
-        <p:spPr>
-          <a:xfrm>
-            <a:off x="5123081" y="2823793"/>
-            <a:ext cx="419474" cy="419474"/>
-          </a:xfrm>
-          <a:prstGeom prst="rect">
-            <a:avLst/>
-          </a:prstGeom>
-        </p:spPr>
-      </p:pic>
-      <p:pic>
-        <p:nvPicPr>
-          <p:cNvPr id="18" name="Graphic 17" descr="Server">
-            <a:extLst>
-              <a:ext uri="{FF2B5EF4-FFF2-40B4-BE49-F238E27FC236}">
-                <a16:creationId xmlns:a16="http://schemas.microsoft.com/office/drawing/2014/main" id="{43397ED1-3D9B-40AC-8770-7489E65B079A}"/>
-              </a:ext>
-            </a:extLst>
-          </p:cNvPr>
-          <p:cNvPicPr>
-            <a:picLocks noChangeAspect="1"/>
-          </p:cNvPicPr>
-          <p:nvPr/>
-        </p:nvPicPr>
-        <p:blipFill>
-          <a:blip r:embed="rId7" cstate="print">
-            <a:extLst>
-              <a:ext uri="{28A0092B-C50C-407E-A947-70E740481C1C}">
-                <a14:useLocalDpi xmlns:a14="http://schemas.microsoft.com/office/drawing/2010/main" val="0"/>
-              </a:ext>
-              <a:ext uri="{96DAC541-7B7A-43D3-8B79-37D633B846F1}">
-                <asvg:svgBlip xmlns:asvg="http://schemas.microsoft.com/office/drawing/2016/SVG/main" r:embed="rId8"/>
-              </a:ext>
-            </a:extLst>
-          </a:blip>
-          <a:stretch>
-            <a:fillRect/>
-          </a:stretch>
-        </p:blipFill>
-        <p:spPr>
-          <a:xfrm>
-            <a:off x="5260276" y="3202159"/>
-            <a:ext cx="326162" cy="326162"/>
-          </a:xfrm>
-          <a:prstGeom prst="rect">
-            <a:avLst/>
-          </a:prstGeom>
-        </p:spPr>
-      </p:pic>
       <p:sp>
         <p:nvSpPr>
           <p:cNvPr id="19" name="TextBox 18">
@@ -17814,15 +16442,15 @@
           </p:cNvPr>
           <p:cNvCxnSpPr>
             <a:cxnSpLocks/>
-            <a:stCxn id="18" idx="3"/>
+            <a:stCxn id="42" idx="3"/>
             <a:endCxn id="23" idx="1"/>
           </p:cNvCxnSpPr>
           <p:nvPr/>
         </p:nvCxnSpPr>
         <p:spPr>
-          <a:xfrm flipV="1">
-            <a:off x="5586438" y="3089243"/>
-            <a:ext cx="732248" cy="275997"/>
+          <a:xfrm>
+            <a:off x="5491294" y="2802020"/>
+            <a:ext cx="827392" cy="287223"/>
           </a:xfrm>
           <a:prstGeom prst="curvedConnector3">
             <a:avLst>
@@ -17945,13 +16573,13 @@
           <p:nvPr/>
         </p:nvPicPr>
         <p:blipFill>
-          <a:blip r:embed="rId9" cstate="print">
+          <a:blip r:embed="rId5" cstate="print">
             <a:extLst>
               <a:ext uri="{28A0092B-C50C-407E-A947-70E740481C1C}">
                 <a14:useLocalDpi xmlns:a14="http://schemas.microsoft.com/office/drawing/2010/main" val="0"/>
               </a:ext>
               <a:ext uri="{96DAC541-7B7A-43D3-8B79-37D633B846F1}">
-                <asvg:svgBlip xmlns:asvg="http://schemas.microsoft.com/office/drawing/2016/SVG/main" r:embed="rId10"/>
+                <asvg:svgBlip xmlns:asvg="http://schemas.microsoft.com/office/drawing/2016/SVG/main" r:embed="rId6"/>
               </a:ext>
             </a:extLst>
           </a:blip>
@@ -17981,14 +16609,14 @@
           <p:cNvCxnSpPr>
             <a:cxnSpLocks/>
             <a:stCxn id="23" idx="3"/>
-            <a:endCxn id="13" idx="2"/>
+            <a:endCxn id="41" idx="1"/>
           </p:cNvCxnSpPr>
           <p:nvPr/>
         </p:nvCxnSpPr>
         <p:spPr>
           <a:xfrm>
             <a:off x="6688148" y="3089243"/>
-            <a:ext cx="391671" cy="161259"/>
+            <a:ext cx="353012" cy="142257"/>
           </a:xfrm>
           <a:prstGeom prst="curvedConnector3">
             <a:avLst>
@@ -18070,20 +16698,19 @@
             </a:extLst>
           </p:cNvPr>
           <p:cNvCxnSpPr>
-            <a:stCxn id="13" idx="3"/>
-            <a:endCxn id="14" idx="1"/>
+            <a:cxnSpLocks/>
           </p:cNvCxnSpPr>
           <p:nvPr/>
         </p:nvCxnSpPr>
         <p:spPr>
           <a:xfrm rot="5400000">
-            <a:off x="6803600" y="3749696"/>
-            <a:ext cx="766444" cy="56144"/>
+            <a:off x="6860187" y="3760311"/>
+            <a:ext cx="699244" cy="102117"/>
           </a:xfrm>
           <a:prstGeom prst="bentConnector4">
             <a:avLst>
-              <a:gd name="adj1" fmla="val 37051"/>
-              <a:gd name="adj2" fmla="val 507167"/>
+              <a:gd name="adj1" fmla="val 50954"/>
+              <a:gd name="adj2" fmla="val 323861"/>
             </a:avLst>
           </a:prstGeom>
           <a:ln>
@@ -18123,13 +16750,13 @@
         </p:nvCxnSpPr>
         <p:spPr>
           <a:xfrm rot="5400000">
-            <a:off x="6379142" y="4174154"/>
-            <a:ext cx="1615362" cy="56145"/>
+            <a:off x="6429409" y="4180545"/>
+            <a:ext cx="1558704" cy="100021"/>
           </a:xfrm>
           <a:prstGeom prst="bentConnector4">
             <a:avLst>
-              <a:gd name="adj1" fmla="val 17890"/>
-              <a:gd name="adj2" fmla="val 507160"/>
+              <a:gd name="adj1" fmla="val 43633"/>
+              <a:gd name="adj2" fmla="val 328552"/>
             </a:avLst>
           </a:prstGeom>
           <a:ln>
@@ -18166,7 +16793,7 @@
         </p:nvSpPr>
         <p:spPr>
           <a:xfrm>
-            <a:off x="372444" y="1789741"/>
+            <a:off x="307692" y="1532565"/>
             <a:ext cx="5032368" cy="3139321"/>
           </a:xfrm>
           <a:prstGeom prst="rect">
@@ -18418,7 +17045,7 @@
           <p:nvPr/>
         </p:nvPicPr>
         <p:blipFill>
-          <a:blip r:embed="rId11"/>
+          <a:blip r:embed="rId7"/>
           <a:stretch>
             <a:fillRect/>
           </a:stretch>
@@ -18448,7 +17075,7 @@
           <p:nvPr/>
         </p:nvPicPr>
         <p:blipFill>
-          <a:blip r:embed="rId11"/>
+          <a:blip r:embed="rId7"/>
           <a:stretch>
             <a:fillRect/>
           </a:stretch>
@@ -18478,7 +17105,7 @@
           <p:nvPr/>
         </p:nvPicPr>
         <p:blipFill>
-          <a:blip r:embed="rId11"/>
+          <a:blip r:embed="rId7"/>
           <a:stretch>
             <a:fillRect/>
           </a:stretch>
@@ -18508,7 +17135,7 @@
           <p:nvPr/>
         </p:nvPicPr>
         <p:blipFill>
-          <a:blip r:embed="rId12"/>
+          <a:blip r:embed="rId8"/>
           <a:stretch>
             <a:fillRect/>
           </a:stretch>
@@ -18538,7 +17165,7 @@
           <p:nvPr/>
         </p:nvPicPr>
         <p:blipFill>
-          <a:blip r:embed="rId12"/>
+          <a:blip r:embed="rId8"/>
           <a:stretch>
             <a:fillRect/>
           </a:stretch>
@@ -18568,7 +17195,7 @@
           <p:nvPr/>
         </p:nvPicPr>
         <p:blipFill>
-          <a:blip r:embed="rId12"/>
+          <a:blip r:embed="rId8"/>
           <a:stretch>
             <a:fillRect/>
           </a:stretch>
@@ -18841,7 +17468,7 @@
         </p:nvSpPr>
         <p:spPr>
           <a:xfrm>
-            <a:off x="6380792" y="3811655"/>
+            <a:off x="6234996" y="3960006"/>
             <a:ext cx="689611" cy="338554"/>
           </a:xfrm>
           <a:prstGeom prst="rect">
@@ -18882,6 +17509,84 @@
           </a:p>
         </p:txBody>
       </p:sp>
+      <p:pic>
+        <p:nvPicPr>
+          <p:cNvPr id="41" name="Graphic 40" descr="Cube outline">
+            <a:extLst>
+              <a:ext uri="{FF2B5EF4-FFF2-40B4-BE49-F238E27FC236}">
+                <a16:creationId xmlns:a16="http://schemas.microsoft.com/office/drawing/2014/main" id="{8AA5CBAA-AE33-44B2-981B-CAA057C66A9B}"/>
+              </a:ext>
+            </a:extLst>
+          </p:cNvPr>
+          <p:cNvPicPr>
+            <a:picLocks noChangeAspect="1"/>
+          </p:cNvPicPr>
+          <p:nvPr/>
+        </p:nvPicPr>
+        <p:blipFill>
+          <a:blip r:embed="rId9">
+            <a:extLst>
+              <a:ext uri="{28A0092B-C50C-407E-A947-70E740481C1C}">
+                <a14:useLocalDpi xmlns:a14="http://schemas.microsoft.com/office/drawing/2010/main" val="0"/>
+              </a:ext>
+              <a:ext uri="{96DAC541-7B7A-43D3-8B79-37D633B846F1}">
+                <asvg:svgBlip xmlns:asvg="http://schemas.microsoft.com/office/drawing/2016/SVG/main" r:embed="rId10"/>
+              </a:ext>
+            </a:extLst>
+          </a:blip>
+          <a:stretch>
+            <a:fillRect/>
+          </a:stretch>
+        </p:blipFill>
+        <p:spPr>
+          <a:xfrm>
+            <a:off x="7041160" y="3011796"/>
+            <a:ext cx="439408" cy="439408"/>
+          </a:xfrm>
+          <a:prstGeom prst="rect">
+            <a:avLst/>
+          </a:prstGeom>
+        </p:spPr>
+      </p:pic>
+      <p:pic>
+        <p:nvPicPr>
+          <p:cNvPr id="42" name="Graphic 41">
+            <a:extLst>
+              <a:ext uri="{FF2B5EF4-FFF2-40B4-BE49-F238E27FC236}">
+                <a16:creationId xmlns:a16="http://schemas.microsoft.com/office/drawing/2014/main" id="{C043DF29-7BA6-40AD-8A4F-7DA6A9000426}"/>
+              </a:ext>
+            </a:extLst>
+          </p:cNvPr>
+          <p:cNvPicPr>
+            <a:picLocks noChangeAspect="1"/>
+          </p:cNvPicPr>
+          <p:nvPr/>
+        </p:nvPicPr>
+        <p:blipFill>
+          <a:blip r:embed="rId11">
+            <a:extLst>
+              <a:ext uri="{28A0092B-C50C-407E-A947-70E740481C1C}">
+                <a14:useLocalDpi xmlns:a14="http://schemas.microsoft.com/office/drawing/2010/main" val="0"/>
+              </a:ext>
+              <a:ext uri="{96DAC541-7B7A-43D3-8B79-37D633B846F1}">
+                <asvg:svgBlip xmlns:asvg="http://schemas.microsoft.com/office/drawing/2016/SVG/main" r:embed="rId12"/>
+              </a:ext>
+            </a:extLst>
+          </a:blip>
+          <a:stretch>
+            <a:fillRect/>
+          </a:stretch>
+        </p:blipFill>
+        <p:spPr>
+          <a:xfrm>
+            <a:off x="5034686" y="2573716"/>
+            <a:ext cx="456608" cy="456608"/>
+          </a:xfrm>
+          <a:prstGeom prst="rect">
+            <a:avLst/>
+          </a:prstGeom>
+        </p:spPr>
+      </p:pic>
     </p:spTree>
     <p:extLst>
       <p:ext uri="{BB962C8B-B14F-4D97-AF65-F5344CB8AC3E}">
@@ -19042,60 +17747,6 @@
           </a:prstGeom>
         </p:spPr>
       </p:pic>
-      <p:sp>
-        <p:nvSpPr>
-          <p:cNvPr id="7" name="Cube 6">
-            <a:extLst>
-              <a:ext uri="{FF2B5EF4-FFF2-40B4-BE49-F238E27FC236}">
-                <a16:creationId xmlns:a16="http://schemas.microsoft.com/office/drawing/2014/main" id="{40A8F696-5410-4783-9681-341881A7B882}"/>
-              </a:ext>
-            </a:extLst>
-          </p:cNvPr>
-          <p:cNvSpPr/>
-          <p:nvPr/>
-        </p:nvSpPr>
-        <p:spPr>
-          <a:xfrm>
-            <a:off x="6709189" y="1626010"/>
-            <a:ext cx="752817" cy="749767"/>
-          </a:xfrm>
-          <a:prstGeom prst="cube">
-            <a:avLst>
-              <a:gd name="adj" fmla="val 14691"/>
-            </a:avLst>
-          </a:prstGeom>
-          <a:ln w="9525">
-            <a:solidFill>
-              <a:schemeClr val="tx1">
-                <a:lumMod val="75000"/>
-                <a:lumOff val="25000"/>
-              </a:schemeClr>
-            </a:solidFill>
-          </a:ln>
-        </p:spPr>
-        <p:style>
-          <a:lnRef idx="2">
-            <a:schemeClr val="accent5"/>
-          </a:lnRef>
-          <a:fillRef idx="1">
-            <a:schemeClr val="lt1"/>
-          </a:fillRef>
-          <a:effectRef idx="0">
-            <a:schemeClr val="accent5"/>
-          </a:effectRef>
-          <a:fontRef idx="minor">
-            <a:schemeClr val="dk1"/>
-          </a:fontRef>
-        </p:style>
-        <p:txBody>
-          <a:bodyPr rtlCol="0" anchor="ctr"/>
-          <a:lstStyle/>
-          <a:p>
-            <a:pPr algn="ctr"/>
-            <a:endParaRPr lang="en-IE"/>
-          </a:p>
-        </p:txBody>
-      </p:sp>
       <p:pic>
         <p:nvPicPr>
           <p:cNvPr id="8" name="Graphic 7" descr="Bar graph with upward trend">
@@ -21093,6 +19744,45 @@
           </a:p>
         </p:txBody>
       </p:sp>
+      <p:pic>
+        <p:nvPicPr>
+          <p:cNvPr id="52" name="Graphic 51" descr="Cube outline">
+            <a:extLst>
+              <a:ext uri="{FF2B5EF4-FFF2-40B4-BE49-F238E27FC236}">
+                <a16:creationId xmlns:a16="http://schemas.microsoft.com/office/drawing/2014/main" id="{DE97785F-E475-40D8-ADD1-A39319D9EC57}"/>
+              </a:ext>
+            </a:extLst>
+          </p:cNvPr>
+          <p:cNvPicPr>
+            <a:picLocks noChangeAspect="1"/>
+          </p:cNvPicPr>
+          <p:nvPr/>
+        </p:nvPicPr>
+        <p:blipFill>
+          <a:blip r:embed="rId23">
+            <a:extLst>
+              <a:ext uri="{28A0092B-C50C-407E-A947-70E740481C1C}">
+                <a14:useLocalDpi xmlns:a14="http://schemas.microsoft.com/office/drawing/2010/main" val="0"/>
+              </a:ext>
+              <a:ext uri="{96DAC541-7B7A-43D3-8B79-37D633B846F1}">
+                <asvg:svgBlip xmlns:asvg="http://schemas.microsoft.com/office/drawing/2016/SVG/main" r:embed="rId24"/>
+              </a:ext>
+            </a:extLst>
+          </a:blip>
+          <a:stretch>
+            <a:fillRect/>
+          </a:stretch>
+        </p:blipFill>
+        <p:spPr>
+          <a:xfrm>
+            <a:off x="6667379" y="1577926"/>
+            <a:ext cx="914400" cy="914400"/>
+          </a:xfrm>
+          <a:prstGeom prst="rect">
+            <a:avLst/>
+          </a:prstGeom>
+        </p:spPr>
+      </p:pic>
     </p:spTree>
     <p:extLst>
       <p:ext uri="{BB962C8B-B14F-4D97-AF65-F5344CB8AC3E}">
